--- a/assets/images/RDA2_logo.pptx
+++ b/assets/images/RDA2_logo.pptx
@@ -2,18 +2,18 @@
 <file path=ppt/presentation.xml><?xml version="1.0" encoding="utf-8"?>
 <p:presentation xmlns:a="http://schemas.openxmlformats.org/drawingml/2006/main" xmlns:r="http://schemas.openxmlformats.org/officeDocument/2006/relationships" xmlns:p="http://schemas.openxmlformats.org/presentationml/2006/main" saveSubsetFonts="1" autoCompressPictures="0">
   <p:sldMasterIdLst>
-    <p:sldMasterId id="2147483648" r:id="rId1"/>
+    <p:sldMasterId id="2147483684" r:id="rId1"/>
   </p:sldMasterIdLst>
   <p:sldIdLst>
     <p:sldId id="256" r:id="rId2"/>
   </p:sldIdLst>
-  <p:sldSz cx="12192000" cy="6858000"/>
+  <p:sldSz cx="3657600" cy="3657600"/>
   <p:notesSz cx="6858000" cy="9144000"/>
   <p:defaultTextStyle>
     <a:defPPr>
       <a:defRPr lang="en-US"/>
     </a:defPPr>
-    <a:lvl1pPr marL="0" algn="l" defTabSz="914400" rtl="0" eaLnBrk="1" latinLnBrk="0" hangingPunct="1">
+    <a:lvl1pPr marL="0" algn="l" defTabSz="457200" rtl="0" eaLnBrk="1" latinLnBrk="0" hangingPunct="1">
       <a:defRPr sz="1800" kern="1200">
         <a:solidFill>
           <a:schemeClr val="tx1"/>
@@ -23,7 +23,7 @@
         <a:cs typeface="+mn-cs"/>
       </a:defRPr>
     </a:lvl1pPr>
-    <a:lvl2pPr marL="457200" algn="l" defTabSz="914400" rtl="0" eaLnBrk="1" latinLnBrk="0" hangingPunct="1">
+    <a:lvl2pPr marL="457200" algn="l" defTabSz="457200" rtl="0" eaLnBrk="1" latinLnBrk="0" hangingPunct="1">
       <a:defRPr sz="1800" kern="1200">
         <a:solidFill>
           <a:schemeClr val="tx1"/>
@@ -33,7 +33,7 @@
         <a:cs typeface="+mn-cs"/>
       </a:defRPr>
     </a:lvl2pPr>
-    <a:lvl3pPr marL="914400" algn="l" defTabSz="914400" rtl="0" eaLnBrk="1" latinLnBrk="0" hangingPunct="1">
+    <a:lvl3pPr marL="914400" algn="l" defTabSz="457200" rtl="0" eaLnBrk="1" latinLnBrk="0" hangingPunct="1">
       <a:defRPr sz="1800" kern="1200">
         <a:solidFill>
           <a:schemeClr val="tx1"/>
@@ -43,7 +43,7 @@
         <a:cs typeface="+mn-cs"/>
       </a:defRPr>
     </a:lvl3pPr>
-    <a:lvl4pPr marL="1371600" algn="l" defTabSz="914400" rtl="0" eaLnBrk="1" latinLnBrk="0" hangingPunct="1">
+    <a:lvl4pPr marL="1371600" algn="l" defTabSz="457200" rtl="0" eaLnBrk="1" latinLnBrk="0" hangingPunct="1">
       <a:defRPr sz="1800" kern="1200">
         <a:solidFill>
           <a:schemeClr val="tx1"/>
@@ -53,7 +53,7 @@
         <a:cs typeface="+mn-cs"/>
       </a:defRPr>
     </a:lvl4pPr>
-    <a:lvl5pPr marL="1828800" algn="l" defTabSz="914400" rtl="0" eaLnBrk="1" latinLnBrk="0" hangingPunct="1">
+    <a:lvl5pPr marL="1828800" algn="l" defTabSz="457200" rtl="0" eaLnBrk="1" latinLnBrk="0" hangingPunct="1">
       <a:defRPr sz="1800" kern="1200">
         <a:solidFill>
           <a:schemeClr val="tx1"/>
@@ -63,7 +63,7 @@
         <a:cs typeface="+mn-cs"/>
       </a:defRPr>
     </a:lvl5pPr>
-    <a:lvl6pPr marL="2286000" algn="l" defTabSz="914400" rtl="0" eaLnBrk="1" latinLnBrk="0" hangingPunct="1">
+    <a:lvl6pPr marL="2286000" algn="l" defTabSz="457200" rtl="0" eaLnBrk="1" latinLnBrk="0" hangingPunct="1">
       <a:defRPr sz="1800" kern="1200">
         <a:solidFill>
           <a:schemeClr val="tx1"/>
@@ -73,7 +73,7 @@
         <a:cs typeface="+mn-cs"/>
       </a:defRPr>
     </a:lvl6pPr>
-    <a:lvl7pPr marL="2743200" algn="l" defTabSz="914400" rtl="0" eaLnBrk="1" latinLnBrk="0" hangingPunct="1">
+    <a:lvl7pPr marL="2743200" algn="l" defTabSz="457200" rtl="0" eaLnBrk="1" latinLnBrk="0" hangingPunct="1">
       <a:defRPr sz="1800" kern="1200">
         <a:solidFill>
           <a:schemeClr val="tx1"/>
@@ -83,7 +83,7 @@
         <a:cs typeface="+mn-cs"/>
       </a:defRPr>
     </a:lvl7pPr>
-    <a:lvl8pPr marL="3200400" algn="l" defTabSz="914400" rtl="0" eaLnBrk="1" latinLnBrk="0" hangingPunct="1">
+    <a:lvl8pPr marL="3200400" algn="l" defTabSz="457200" rtl="0" eaLnBrk="1" latinLnBrk="0" hangingPunct="1">
       <a:defRPr sz="1800" kern="1200">
         <a:solidFill>
           <a:schemeClr val="tx1"/>
@@ -93,7 +93,7 @@
         <a:cs typeface="+mn-cs"/>
       </a:defRPr>
     </a:lvl8pPr>
-    <a:lvl9pPr marL="3657600" algn="l" defTabSz="914400" rtl="0" eaLnBrk="1" latinLnBrk="0" hangingPunct="1">
+    <a:lvl9pPr marL="3657600" algn="l" defTabSz="457200" rtl="0" eaLnBrk="1" latinLnBrk="0" hangingPunct="1">
       <a:defRPr sz="1800" kern="1200">
         <a:solidFill>
           <a:schemeClr val="tx1"/>
@@ -104,6 +104,11 @@
       </a:defRPr>
     </a:lvl9pPr>
   </p:defaultTextStyle>
+  <p:extLst>
+    <p:ext uri="{EFAFB233-063F-42B5-8137-9DF3F51BA10A}">
+      <p15:sldGuideLst xmlns:p15="http://schemas.microsoft.com/office/powerpoint/2012/main"/>
+    </p:ext>
+  </p:extLst>
 </p:presentation>
 </file>
 
@@ -126,13 +131,7 @@
       </p:grpSpPr>
       <p:sp>
         <p:nvSpPr>
-          <p:cNvPr id="2" name="Title 1">
-            <a:extLst>
-              <a:ext uri="{FF2B5EF4-FFF2-40B4-BE49-F238E27FC236}">
-                <a16:creationId xmlns:a16="http://schemas.microsoft.com/office/drawing/2014/main" id="{4D62BADD-E865-EA41-BA21-E5D2F9D9A823}"/>
-              </a:ext>
-            </a:extLst>
-          </p:cNvPr>
+          <p:cNvPr id="2" name="Title 1"/>
           <p:cNvSpPr>
             <a:spLocks noGrp="1"/>
           </p:cNvSpPr>
@@ -142,15 +141,15 @@
         </p:nvSpPr>
         <p:spPr>
           <a:xfrm>
-            <a:off x="1524000" y="1122363"/>
-            <a:ext cx="9144000" cy="2387600"/>
+            <a:off x="274320" y="598593"/>
+            <a:ext cx="3108960" cy="1273387"/>
           </a:xfrm>
         </p:spPr>
         <p:txBody>
           <a:bodyPr anchor="b"/>
           <a:lstStyle>
             <a:lvl1pPr algn="ctr">
-              <a:defRPr sz="6000"/>
+              <a:defRPr sz="2400"/>
             </a:lvl1pPr>
           </a:lstStyle>
           <a:p>
@@ -158,18 +157,13 @@
               <a:rPr lang="en-US"/>
               <a:t>Click to edit Master title style</a:t>
             </a:r>
-          </a:p>
-        </p:txBody>
-      </p:sp>
-      <p:sp>
-        <p:nvSpPr>
-          <p:cNvPr id="3" name="Subtitle 2">
-            <a:extLst>
-              <a:ext uri="{FF2B5EF4-FFF2-40B4-BE49-F238E27FC236}">
-                <a16:creationId xmlns:a16="http://schemas.microsoft.com/office/drawing/2014/main" id="{47E39E81-C90D-C244-8645-0531E4A4DCFF}"/>
-              </a:ext>
-            </a:extLst>
-          </p:cNvPr>
+            <a:endParaRPr lang="en-US" dirty="0"/>
+          </a:p>
+        </p:txBody>
+      </p:sp>
+      <p:sp>
+        <p:nvSpPr>
+          <p:cNvPr id="3" name="Subtitle 2"/>
           <p:cNvSpPr>
             <a:spLocks noGrp="1"/>
           </p:cNvSpPr>
@@ -179,8 +173,8 @@
         </p:nvSpPr>
         <p:spPr>
           <a:xfrm>
-            <a:off x="1524000" y="3602038"/>
-            <a:ext cx="9144000" cy="1655762"/>
+            <a:off x="457200" y="1921087"/>
+            <a:ext cx="2743200" cy="883073"/>
           </a:xfrm>
         </p:spPr>
         <p:txBody>
@@ -188,39 +182,39 @@
           <a:lstStyle>
             <a:lvl1pPr marL="0" indent="0" algn="ctr">
               <a:buNone/>
-              <a:defRPr sz="2400"/>
+              <a:defRPr sz="960"/>
             </a:lvl1pPr>
-            <a:lvl2pPr marL="457200" indent="0" algn="ctr">
-              <a:buNone/>
-              <a:defRPr sz="2000"/>
+            <a:lvl2pPr marL="182880" indent="0" algn="ctr">
+              <a:buNone/>
+              <a:defRPr sz="800"/>
             </a:lvl2pPr>
-            <a:lvl3pPr marL="914400" indent="0" algn="ctr">
-              <a:buNone/>
-              <a:defRPr sz="1800"/>
+            <a:lvl3pPr marL="365760" indent="0" algn="ctr">
+              <a:buNone/>
+              <a:defRPr sz="720"/>
             </a:lvl3pPr>
-            <a:lvl4pPr marL="1371600" indent="0" algn="ctr">
-              <a:buNone/>
-              <a:defRPr sz="1600"/>
+            <a:lvl4pPr marL="548640" indent="0" algn="ctr">
+              <a:buNone/>
+              <a:defRPr sz="640"/>
             </a:lvl4pPr>
-            <a:lvl5pPr marL="1828800" indent="0" algn="ctr">
-              <a:buNone/>
-              <a:defRPr sz="1600"/>
+            <a:lvl5pPr marL="731520" indent="0" algn="ctr">
+              <a:buNone/>
+              <a:defRPr sz="640"/>
             </a:lvl5pPr>
-            <a:lvl6pPr marL="2286000" indent="0" algn="ctr">
-              <a:buNone/>
-              <a:defRPr sz="1600"/>
+            <a:lvl6pPr marL="914400" indent="0" algn="ctr">
+              <a:buNone/>
+              <a:defRPr sz="640"/>
             </a:lvl6pPr>
-            <a:lvl7pPr marL="2743200" indent="0" algn="ctr">
-              <a:buNone/>
-              <a:defRPr sz="1600"/>
+            <a:lvl7pPr marL="1097280" indent="0" algn="ctr">
+              <a:buNone/>
+              <a:defRPr sz="640"/>
             </a:lvl7pPr>
-            <a:lvl8pPr marL="3200400" indent="0" algn="ctr">
-              <a:buNone/>
-              <a:defRPr sz="1600"/>
+            <a:lvl8pPr marL="1280160" indent="0" algn="ctr">
+              <a:buNone/>
+              <a:defRPr sz="640"/>
             </a:lvl8pPr>
-            <a:lvl9pPr marL="3657600" indent="0" algn="ctr">
-              <a:buNone/>
-              <a:defRPr sz="1600"/>
+            <a:lvl9pPr marL="1463040" indent="0" algn="ctr">
+              <a:buNone/>
+              <a:defRPr sz="640"/>
             </a:lvl9pPr>
           </a:lstStyle>
           <a:p>
@@ -228,18 +222,13 @@
               <a:rPr lang="en-US"/>
               <a:t>Click to edit Master subtitle style</a:t>
             </a:r>
-          </a:p>
-        </p:txBody>
-      </p:sp>
-      <p:sp>
-        <p:nvSpPr>
-          <p:cNvPr id="4" name="Date Placeholder 3">
-            <a:extLst>
-              <a:ext uri="{FF2B5EF4-FFF2-40B4-BE49-F238E27FC236}">
-                <a16:creationId xmlns:a16="http://schemas.microsoft.com/office/drawing/2014/main" id="{05DBF97A-74E1-E04D-AB99-77B1FAD613FC}"/>
-              </a:ext>
-            </a:extLst>
-          </p:cNvPr>
+            <a:endParaRPr lang="en-US" dirty="0"/>
+          </a:p>
+        </p:txBody>
+      </p:sp>
+      <p:sp>
+        <p:nvSpPr>
+          <p:cNvPr id="4" name="Date Placeholder 3"/>
           <p:cNvSpPr>
             <a:spLocks noGrp="1"/>
           </p:cNvSpPr>
@@ -254,7 +243,7 @@
           <a:p>
             <a:fld id="{C3ECA70A-0CD0-B248-83E8-D269A971EF55}" type="datetimeFigureOut">
               <a:rPr lang="en-US" smtClean="0"/>
-              <a:t>4/3/18</a:t>
+              <a:t>6/18/19</a:t>
             </a:fld>
             <a:endParaRPr lang="en-US"/>
           </a:p>
@@ -262,13 +251,7 @@
       </p:sp>
       <p:sp>
         <p:nvSpPr>
-          <p:cNvPr id="5" name="Footer Placeholder 4">
-            <a:extLst>
-              <a:ext uri="{FF2B5EF4-FFF2-40B4-BE49-F238E27FC236}">
-                <a16:creationId xmlns:a16="http://schemas.microsoft.com/office/drawing/2014/main" id="{6AA98110-B719-1E47-AC77-73BF9A18B0C9}"/>
-              </a:ext>
-            </a:extLst>
-          </p:cNvPr>
+          <p:cNvPr id="5" name="Footer Placeholder 4"/>
           <p:cNvSpPr>
             <a:spLocks noGrp="1"/>
           </p:cNvSpPr>
@@ -287,13 +270,7 @@
       </p:sp>
       <p:sp>
         <p:nvSpPr>
-          <p:cNvPr id="6" name="Slide Number Placeholder 5">
-            <a:extLst>
-              <a:ext uri="{FF2B5EF4-FFF2-40B4-BE49-F238E27FC236}">
-                <a16:creationId xmlns:a16="http://schemas.microsoft.com/office/drawing/2014/main" id="{F2149B6D-C9A7-EC4A-9106-785B87576274}"/>
-              </a:ext>
-            </a:extLst>
-          </p:cNvPr>
+          <p:cNvPr id="6" name="Slide Number Placeholder 5"/>
           <p:cNvSpPr>
             <a:spLocks noGrp="1"/>
           </p:cNvSpPr>
@@ -317,7 +294,7 @@
     </p:spTree>
     <p:extLst>
       <p:ext uri="{BB962C8B-B14F-4D97-AF65-F5344CB8AC3E}">
-        <p14:creationId xmlns:p14="http://schemas.microsoft.com/office/powerpoint/2010/main" val="2394517729"/>
+        <p14:creationId xmlns:p14="http://schemas.microsoft.com/office/powerpoint/2010/main" val="592969383"/>
       </p:ext>
     </p:extLst>
   </p:cSld>
@@ -346,13 +323,7 @@
       </p:grpSpPr>
       <p:sp>
         <p:nvSpPr>
-          <p:cNvPr id="2" name="Title 1">
-            <a:extLst>
-              <a:ext uri="{FF2B5EF4-FFF2-40B4-BE49-F238E27FC236}">
-                <a16:creationId xmlns:a16="http://schemas.microsoft.com/office/drawing/2014/main" id="{C8B57BEB-EB48-9849-A02E-56AE3EBDF8F0}"/>
-              </a:ext>
-            </a:extLst>
-          </p:cNvPr>
+          <p:cNvPr id="2" name="Title 1"/>
           <p:cNvSpPr>
             <a:spLocks noGrp="1"/>
           </p:cNvSpPr>
@@ -369,18 +340,13 @@
               <a:rPr lang="en-US"/>
               <a:t>Click to edit Master title style</a:t>
             </a:r>
-          </a:p>
-        </p:txBody>
-      </p:sp>
-      <p:sp>
-        <p:nvSpPr>
-          <p:cNvPr id="3" name="Vertical Text Placeholder 2">
-            <a:extLst>
-              <a:ext uri="{FF2B5EF4-FFF2-40B4-BE49-F238E27FC236}">
-                <a16:creationId xmlns:a16="http://schemas.microsoft.com/office/drawing/2014/main" id="{A65F2160-97E5-8E4D-85BD-50406E532DC7}"/>
-              </a:ext>
-            </a:extLst>
-          </p:cNvPr>
+            <a:endParaRPr lang="en-US" dirty="0"/>
+          </a:p>
+        </p:txBody>
+      </p:sp>
+      <p:sp>
+        <p:nvSpPr>
+          <p:cNvPr id="3" name="Vertical Text Placeholder 2"/>
           <p:cNvSpPr>
             <a:spLocks noGrp="1"/>
           </p:cNvSpPr>
@@ -396,7 +362,7 @@
             <a:pPr lvl="0"/>
             <a:r>
               <a:rPr lang="en-US"/>
-              <a:t>Edit Master text styles</a:t>
+              <a:t>Click to edit Master text styles</a:t>
             </a:r>
           </a:p>
           <a:p>
@@ -426,18 +392,13 @@
               <a:rPr lang="en-US"/>
               <a:t>Fifth level</a:t>
             </a:r>
-          </a:p>
-        </p:txBody>
-      </p:sp>
-      <p:sp>
-        <p:nvSpPr>
-          <p:cNvPr id="4" name="Date Placeholder 3">
-            <a:extLst>
-              <a:ext uri="{FF2B5EF4-FFF2-40B4-BE49-F238E27FC236}">
-                <a16:creationId xmlns:a16="http://schemas.microsoft.com/office/drawing/2014/main" id="{C3323E9B-C3A0-9047-9B83-0D4458B01137}"/>
-              </a:ext>
-            </a:extLst>
-          </p:cNvPr>
+            <a:endParaRPr lang="en-US" dirty="0"/>
+          </a:p>
+        </p:txBody>
+      </p:sp>
+      <p:sp>
+        <p:nvSpPr>
+          <p:cNvPr id="4" name="Date Placeholder 3"/>
           <p:cNvSpPr>
             <a:spLocks noGrp="1"/>
           </p:cNvSpPr>
@@ -452,7 +413,7 @@
           <a:p>
             <a:fld id="{C3ECA70A-0CD0-B248-83E8-D269A971EF55}" type="datetimeFigureOut">
               <a:rPr lang="en-US" smtClean="0"/>
-              <a:t>4/3/18</a:t>
+              <a:t>6/18/19</a:t>
             </a:fld>
             <a:endParaRPr lang="en-US"/>
           </a:p>
@@ -460,13 +421,7 @@
       </p:sp>
       <p:sp>
         <p:nvSpPr>
-          <p:cNvPr id="5" name="Footer Placeholder 4">
-            <a:extLst>
-              <a:ext uri="{FF2B5EF4-FFF2-40B4-BE49-F238E27FC236}">
-                <a16:creationId xmlns:a16="http://schemas.microsoft.com/office/drawing/2014/main" id="{3BDB40CB-44D6-DD40-9A03-F8B6BC53F6D9}"/>
-              </a:ext>
-            </a:extLst>
-          </p:cNvPr>
+          <p:cNvPr id="5" name="Footer Placeholder 4"/>
           <p:cNvSpPr>
             <a:spLocks noGrp="1"/>
           </p:cNvSpPr>
@@ -485,13 +440,7 @@
       </p:sp>
       <p:sp>
         <p:nvSpPr>
-          <p:cNvPr id="6" name="Slide Number Placeholder 5">
-            <a:extLst>
-              <a:ext uri="{FF2B5EF4-FFF2-40B4-BE49-F238E27FC236}">
-                <a16:creationId xmlns:a16="http://schemas.microsoft.com/office/drawing/2014/main" id="{C8694AE6-A38F-FE4F-8777-5CE79F0389CD}"/>
-              </a:ext>
-            </a:extLst>
-          </p:cNvPr>
+          <p:cNvPr id="6" name="Slide Number Placeholder 5"/>
           <p:cNvSpPr>
             <a:spLocks noGrp="1"/>
           </p:cNvSpPr>
@@ -515,7 +464,7 @@
     </p:spTree>
     <p:extLst>
       <p:ext uri="{BB962C8B-B14F-4D97-AF65-F5344CB8AC3E}">
-        <p14:creationId xmlns:p14="http://schemas.microsoft.com/office/powerpoint/2010/main" val="486477312"/>
+        <p14:creationId xmlns:p14="http://schemas.microsoft.com/office/powerpoint/2010/main" val="2788721393"/>
       </p:ext>
     </p:extLst>
   </p:cSld>
@@ -544,13 +493,7 @@
       </p:grpSpPr>
       <p:sp>
         <p:nvSpPr>
-          <p:cNvPr id="2" name="Vertical Title 1">
-            <a:extLst>
-              <a:ext uri="{FF2B5EF4-FFF2-40B4-BE49-F238E27FC236}">
-                <a16:creationId xmlns:a16="http://schemas.microsoft.com/office/drawing/2014/main" id="{208A658E-BF2F-BB4D-B32B-2926F7714D9E}"/>
-              </a:ext>
-            </a:extLst>
-          </p:cNvPr>
+          <p:cNvPr id="2" name="Vertical Title 1"/>
           <p:cNvSpPr>
             <a:spLocks noGrp="1"/>
           </p:cNvSpPr>
@@ -560,8 +503,8 @@
         </p:nvSpPr>
         <p:spPr>
           <a:xfrm>
-            <a:off x="8724900" y="365125"/>
-            <a:ext cx="2628900" cy="5811838"/>
+            <a:off x="2617470" y="194733"/>
+            <a:ext cx="788670" cy="3099647"/>
           </a:xfrm>
         </p:spPr>
         <p:txBody>
@@ -572,18 +515,13 @@
               <a:rPr lang="en-US"/>
               <a:t>Click to edit Master title style</a:t>
             </a:r>
-          </a:p>
-        </p:txBody>
-      </p:sp>
-      <p:sp>
-        <p:nvSpPr>
-          <p:cNvPr id="3" name="Vertical Text Placeholder 2">
-            <a:extLst>
-              <a:ext uri="{FF2B5EF4-FFF2-40B4-BE49-F238E27FC236}">
-                <a16:creationId xmlns:a16="http://schemas.microsoft.com/office/drawing/2014/main" id="{6763D6C2-DDAB-2642-B519-E751BD17162B}"/>
-              </a:ext>
-            </a:extLst>
-          </p:cNvPr>
+            <a:endParaRPr lang="en-US" dirty="0"/>
+          </a:p>
+        </p:txBody>
+      </p:sp>
+      <p:sp>
+        <p:nvSpPr>
+          <p:cNvPr id="3" name="Vertical Text Placeholder 2"/>
           <p:cNvSpPr>
             <a:spLocks noGrp="1"/>
           </p:cNvSpPr>
@@ -593,8 +531,8 @@
         </p:nvSpPr>
         <p:spPr>
           <a:xfrm>
-            <a:off x="838200" y="365125"/>
-            <a:ext cx="7734300" cy="5811838"/>
+            <a:off x="251460" y="194733"/>
+            <a:ext cx="2320290" cy="3099647"/>
           </a:xfrm>
         </p:spPr>
         <p:txBody>
@@ -604,7 +542,7 @@
             <a:pPr lvl="0"/>
             <a:r>
               <a:rPr lang="en-US"/>
-              <a:t>Edit Master text styles</a:t>
+              <a:t>Click to edit Master text styles</a:t>
             </a:r>
           </a:p>
           <a:p>
@@ -634,18 +572,13 @@
               <a:rPr lang="en-US"/>
               <a:t>Fifth level</a:t>
             </a:r>
-          </a:p>
-        </p:txBody>
-      </p:sp>
-      <p:sp>
-        <p:nvSpPr>
-          <p:cNvPr id="4" name="Date Placeholder 3">
-            <a:extLst>
-              <a:ext uri="{FF2B5EF4-FFF2-40B4-BE49-F238E27FC236}">
-                <a16:creationId xmlns:a16="http://schemas.microsoft.com/office/drawing/2014/main" id="{6EE158C6-A36C-054E-8CAE-B46C53B52443}"/>
-              </a:ext>
-            </a:extLst>
-          </p:cNvPr>
+            <a:endParaRPr lang="en-US" dirty="0"/>
+          </a:p>
+        </p:txBody>
+      </p:sp>
+      <p:sp>
+        <p:nvSpPr>
+          <p:cNvPr id="4" name="Date Placeholder 3"/>
           <p:cNvSpPr>
             <a:spLocks noGrp="1"/>
           </p:cNvSpPr>
@@ -660,7 +593,7 @@
           <a:p>
             <a:fld id="{C3ECA70A-0CD0-B248-83E8-D269A971EF55}" type="datetimeFigureOut">
               <a:rPr lang="en-US" smtClean="0"/>
-              <a:t>4/3/18</a:t>
+              <a:t>6/18/19</a:t>
             </a:fld>
             <a:endParaRPr lang="en-US"/>
           </a:p>
@@ -668,13 +601,7 @@
       </p:sp>
       <p:sp>
         <p:nvSpPr>
-          <p:cNvPr id="5" name="Footer Placeholder 4">
-            <a:extLst>
-              <a:ext uri="{FF2B5EF4-FFF2-40B4-BE49-F238E27FC236}">
-                <a16:creationId xmlns:a16="http://schemas.microsoft.com/office/drawing/2014/main" id="{2DDAC76E-1EA0-EC41-A865-702C860834CE}"/>
-              </a:ext>
-            </a:extLst>
-          </p:cNvPr>
+          <p:cNvPr id="5" name="Footer Placeholder 4"/>
           <p:cNvSpPr>
             <a:spLocks noGrp="1"/>
           </p:cNvSpPr>
@@ -693,13 +620,7 @@
       </p:sp>
       <p:sp>
         <p:nvSpPr>
-          <p:cNvPr id="6" name="Slide Number Placeholder 5">
-            <a:extLst>
-              <a:ext uri="{FF2B5EF4-FFF2-40B4-BE49-F238E27FC236}">
-                <a16:creationId xmlns:a16="http://schemas.microsoft.com/office/drawing/2014/main" id="{2B444674-5386-CD41-9E9C-121CF61A3C13}"/>
-              </a:ext>
-            </a:extLst>
-          </p:cNvPr>
+          <p:cNvPr id="6" name="Slide Number Placeholder 5"/>
           <p:cNvSpPr>
             <a:spLocks noGrp="1"/>
           </p:cNvSpPr>
@@ -723,7 +644,7 @@
     </p:spTree>
     <p:extLst>
       <p:ext uri="{BB962C8B-B14F-4D97-AF65-F5344CB8AC3E}">
-        <p14:creationId xmlns:p14="http://schemas.microsoft.com/office/powerpoint/2010/main" val="4281295366"/>
+        <p14:creationId xmlns:p14="http://schemas.microsoft.com/office/powerpoint/2010/main" val="3081020131"/>
       </p:ext>
     </p:extLst>
   </p:cSld>
@@ -752,13 +673,7 @@
       </p:grpSpPr>
       <p:sp>
         <p:nvSpPr>
-          <p:cNvPr id="2" name="Title 1">
-            <a:extLst>
-              <a:ext uri="{FF2B5EF4-FFF2-40B4-BE49-F238E27FC236}">
-                <a16:creationId xmlns:a16="http://schemas.microsoft.com/office/drawing/2014/main" id="{4C104D85-0376-814D-BB67-5DC966CFB230}"/>
-              </a:ext>
-            </a:extLst>
-          </p:cNvPr>
+          <p:cNvPr id="2" name="Title 1"/>
           <p:cNvSpPr>
             <a:spLocks noGrp="1"/>
           </p:cNvSpPr>
@@ -775,18 +690,13 @@
               <a:rPr lang="en-US"/>
               <a:t>Click to edit Master title style</a:t>
             </a:r>
-          </a:p>
-        </p:txBody>
-      </p:sp>
-      <p:sp>
-        <p:nvSpPr>
-          <p:cNvPr id="3" name="Content Placeholder 2">
-            <a:extLst>
-              <a:ext uri="{FF2B5EF4-FFF2-40B4-BE49-F238E27FC236}">
-                <a16:creationId xmlns:a16="http://schemas.microsoft.com/office/drawing/2014/main" id="{1558CCD1-2572-2343-9D87-52B4DF6364F8}"/>
-              </a:ext>
-            </a:extLst>
-          </p:cNvPr>
+            <a:endParaRPr lang="en-US" dirty="0"/>
+          </a:p>
+        </p:txBody>
+      </p:sp>
+      <p:sp>
+        <p:nvSpPr>
+          <p:cNvPr id="3" name="Content Placeholder 2"/>
           <p:cNvSpPr>
             <a:spLocks noGrp="1"/>
           </p:cNvSpPr>
@@ -802,7 +712,7 @@
             <a:pPr lvl="0"/>
             <a:r>
               <a:rPr lang="en-US"/>
-              <a:t>Edit Master text styles</a:t>
+              <a:t>Click to edit Master text styles</a:t>
             </a:r>
           </a:p>
           <a:p>
@@ -832,18 +742,13 @@
               <a:rPr lang="en-US"/>
               <a:t>Fifth level</a:t>
             </a:r>
-          </a:p>
-        </p:txBody>
-      </p:sp>
-      <p:sp>
-        <p:nvSpPr>
-          <p:cNvPr id="4" name="Date Placeholder 3">
-            <a:extLst>
-              <a:ext uri="{FF2B5EF4-FFF2-40B4-BE49-F238E27FC236}">
-                <a16:creationId xmlns:a16="http://schemas.microsoft.com/office/drawing/2014/main" id="{C2F4F088-0BCC-D440-B480-1917693480A6}"/>
-              </a:ext>
-            </a:extLst>
-          </p:cNvPr>
+            <a:endParaRPr lang="en-US" dirty="0"/>
+          </a:p>
+        </p:txBody>
+      </p:sp>
+      <p:sp>
+        <p:nvSpPr>
+          <p:cNvPr id="4" name="Date Placeholder 3"/>
           <p:cNvSpPr>
             <a:spLocks noGrp="1"/>
           </p:cNvSpPr>
@@ -858,7 +763,7 @@
           <a:p>
             <a:fld id="{C3ECA70A-0CD0-B248-83E8-D269A971EF55}" type="datetimeFigureOut">
               <a:rPr lang="en-US" smtClean="0"/>
-              <a:t>4/3/18</a:t>
+              <a:t>6/18/19</a:t>
             </a:fld>
             <a:endParaRPr lang="en-US"/>
           </a:p>
@@ -866,13 +771,7 @@
       </p:sp>
       <p:sp>
         <p:nvSpPr>
-          <p:cNvPr id="5" name="Footer Placeholder 4">
-            <a:extLst>
-              <a:ext uri="{FF2B5EF4-FFF2-40B4-BE49-F238E27FC236}">
-                <a16:creationId xmlns:a16="http://schemas.microsoft.com/office/drawing/2014/main" id="{D2761935-C88C-914C-90BE-88A167CFD705}"/>
-              </a:ext>
-            </a:extLst>
-          </p:cNvPr>
+          <p:cNvPr id="5" name="Footer Placeholder 4"/>
           <p:cNvSpPr>
             <a:spLocks noGrp="1"/>
           </p:cNvSpPr>
@@ -891,13 +790,7 @@
       </p:sp>
       <p:sp>
         <p:nvSpPr>
-          <p:cNvPr id="6" name="Slide Number Placeholder 5">
-            <a:extLst>
-              <a:ext uri="{FF2B5EF4-FFF2-40B4-BE49-F238E27FC236}">
-                <a16:creationId xmlns:a16="http://schemas.microsoft.com/office/drawing/2014/main" id="{08A64B59-EE29-2F48-94EA-7EC9B1176505}"/>
-              </a:ext>
-            </a:extLst>
-          </p:cNvPr>
+          <p:cNvPr id="6" name="Slide Number Placeholder 5"/>
           <p:cNvSpPr>
             <a:spLocks noGrp="1"/>
           </p:cNvSpPr>
@@ -921,7 +814,7 @@
     </p:spTree>
     <p:extLst>
       <p:ext uri="{BB962C8B-B14F-4D97-AF65-F5344CB8AC3E}">
-        <p14:creationId xmlns:p14="http://schemas.microsoft.com/office/powerpoint/2010/main" val="2433921287"/>
+        <p14:creationId xmlns:p14="http://schemas.microsoft.com/office/powerpoint/2010/main" val="2620796790"/>
       </p:ext>
     </p:extLst>
   </p:cSld>
@@ -950,13 +843,7 @@
       </p:grpSpPr>
       <p:sp>
         <p:nvSpPr>
-          <p:cNvPr id="2" name="Title 1">
-            <a:extLst>
-              <a:ext uri="{FF2B5EF4-FFF2-40B4-BE49-F238E27FC236}">
-                <a16:creationId xmlns:a16="http://schemas.microsoft.com/office/drawing/2014/main" id="{64940782-E6E0-3C45-9BF0-8BE9AE908AF2}"/>
-              </a:ext>
-            </a:extLst>
-          </p:cNvPr>
+          <p:cNvPr id="2" name="Title 1"/>
           <p:cNvSpPr>
             <a:spLocks noGrp="1"/>
           </p:cNvSpPr>
@@ -966,15 +853,15 @@
         </p:nvSpPr>
         <p:spPr>
           <a:xfrm>
-            <a:off x="831850" y="1709738"/>
-            <a:ext cx="10515600" cy="2852737"/>
+            <a:off x="249555" y="911861"/>
+            <a:ext cx="3154680" cy="1521460"/>
           </a:xfrm>
         </p:spPr>
         <p:txBody>
           <a:bodyPr anchor="b"/>
           <a:lstStyle>
             <a:lvl1pPr>
-              <a:defRPr sz="6000"/>
+              <a:defRPr sz="2400"/>
             </a:lvl1pPr>
           </a:lstStyle>
           <a:p>
@@ -982,18 +869,13 @@
               <a:rPr lang="en-US"/>
               <a:t>Click to edit Master title style</a:t>
             </a:r>
-          </a:p>
-        </p:txBody>
-      </p:sp>
-      <p:sp>
-        <p:nvSpPr>
-          <p:cNvPr id="3" name="Text Placeholder 2">
-            <a:extLst>
-              <a:ext uri="{FF2B5EF4-FFF2-40B4-BE49-F238E27FC236}">
-                <a16:creationId xmlns:a16="http://schemas.microsoft.com/office/drawing/2014/main" id="{95EABE91-6AA7-5B4C-9A1F-8667AD3C81DD}"/>
-              </a:ext>
-            </a:extLst>
-          </p:cNvPr>
+            <a:endParaRPr lang="en-US" dirty="0"/>
+          </a:p>
+        </p:txBody>
+      </p:sp>
+      <p:sp>
+        <p:nvSpPr>
+          <p:cNvPr id="3" name="Text Placeholder 2"/>
           <p:cNvSpPr>
             <a:spLocks noGrp="1"/>
           </p:cNvSpPr>
@@ -1003,8 +885,8 @@
         </p:nvSpPr>
         <p:spPr>
           <a:xfrm>
-            <a:off x="831850" y="4589463"/>
-            <a:ext cx="10515600" cy="1500187"/>
+            <a:off x="249555" y="2447714"/>
+            <a:ext cx="3154680" cy="800100"/>
           </a:xfrm>
         </p:spPr>
         <p:txBody>
@@ -1012,17 +894,15 @@
           <a:lstStyle>
             <a:lvl1pPr marL="0" indent="0">
               <a:buNone/>
-              <a:defRPr sz="2400">
+              <a:defRPr sz="960">
                 <a:solidFill>
-                  <a:schemeClr val="tx1">
-                    <a:tint val="75000"/>
-                  </a:schemeClr>
+                  <a:schemeClr val="tx1"/>
                 </a:solidFill>
               </a:defRPr>
             </a:lvl1pPr>
-            <a:lvl2pPr marL="457200" indent="0">
-              <a:buNone/>
-              <a:defRPr sz="2000">
+            <a:lvl2pPr marL="182880" indent="0">
+              <a:buNone/>
+              <a:defRPr sz="800">
                 <a:solidFill>
                   <a:schemeClr val="tx1">
                     <a:tint val="75000"/>
@@ -1030,9 +910,9 @@
                 </a:solidFill>
               </a:defRPr>
             </a:lvl2pPr>
-            <a:lvl3pPr marL="914400" indent="0">
-              <a:buNone/>
-              <a:defRPr sz="1800">
+            <a:lvl3pPr marL="365760" indent="0">
+              <a:buNone/>
+              <a:defRPr sz="720">
                 <a:solidFill>
                   <a:schemeClr val="tx1">
                     <a:tint val="75000"/>
@@ -1040,9 +920,9 @@
                 </a:solidFill>
               </a:defRPr>
             </a:lvl3pPr>
-            <a:lvl4pPr marL="1371600" indent="0">
-              <a:buNone/>
-              <a:defRPr sz="1600">
+            <a:lvl4pPr marL="548640" indent="0">
+              <a:buNone/>
+              <a:defRPr sz="640">
                 <a:solidFill>
                   <a:schemeClr val="tx1">
                     <a:tint val="75000"/>
@@ -1050,9 +930,9 @@
                 </a:solidFill>
               </a:defRPr>
             </a:lvl4pPr>
-            <a:lvl5pPr marL="1828800" indent="0">
-              <a:buNone/>
-              <a:defRPr sz="1600">
+            <a:lvl5pPr marL="731520" indent="0">
+              <a:buNone/>
+              <a:defRPr sz="640">
                 <a:solidFill>
                   <a:schemeClr val="tx1">
                     <a:tint val="75000"/>
@@ -1060,9 +940,9 @@
                 </a:solidFill>
               </a:defRPr>
             </a:lvl5pPr>
-            <a:lvl6pPr marL="2286000" indent="0">
-              <a:buNone/>
-              <a:defRPr sz="1600">
+            <a:lvl6pPr marL="914400" indent="0">
+              <a:buNone/>
+              <a:defRPr sz="640">
                 <a:solidFill>
                   <a:schemeClr val="tx1">
                     <a:tint val="75000"/>
@@ -1070,9 +950,9 @@
                 </a:solidFill>
               </a:defRPr>
             </a:lvl6pPr>
-            <a:lvl7pPr marL="2743200" indent="0">
-              <a:buNone/>
-              <a:defRPr sz="1600">
+            <a:lvl7pPr marL="1097280" indent="0">
+              <a:buNone/>
+              <a:defRPr sz="640">
                 <a:solidFill>
                   <a:schemeClr val="tx1">
                     <a:tint val="75000"/>
@@ -1080,9 +960,9 @@
                 </a:solidFill>
               </a:defRPr>
             </a:lvl7pPr>
-            <a:lvl8pPr marL="3200400" indent="0">
-              <a:buNone/>
-              <a:defRPr sz="1600">
+            <a:lvl8pPr marL="1280160" indent="0">
+              <a:buNone/>
+              <a:defRPr sz="640">
                 <a:solidFill>
                   <a:schemeClr val="tx1">
                     <a:tint val="75000"/>
@@ -1090,9 +970,9 @@
                 </a:solidFill>
               </a:defRPr>
             </a:lvl8pPr>
-            <a:lvl9pPr marL="3657600" indent="0">
-              <a:buNone/>
-              <a:defRPr sz="1600">
+            <a:lvl9pPr marL="1463040" indent="0">
+              <a:buNone/>
+              <a:defRPr sz="640">
                 <a:solidFill>
                   <a:schemeClr val="tx1">
                     <a:tint val="75000"/>
@@ -1105,20 +985,14 @@
             <a:pPr lvl="0"/>
             <a:r>
               <a:rPr lang="en-US"/>
-              <a:t>Edit Master text styles</a:t>
-            </a:r>
-          </a:p>
-        </p:txBody>
-      </p:sp>
-      <p:sp>
-        <p:nvSpPr>
-          <p:cNvPr id="4" name="Date Placeholder 3">
-            <a:extLst>
-              <a:ext uri="{FF2B5EF4-FFF2-40B4-BE49-F238E27FC236}">
-                <a16:creationId xmlns:a16="http://schemas.microsoft.com/office/drawing/2014/main" id="{8EAF002C-1DFA-6F40-BF6C-9B6C891F142A}"/>
-              </a:ext>
-            </a:extLst>
-          </p:cNvPr>
+              <a:t>Click to edit Master text styles</a:t>
+            </a:r>
+          </a:p>
+        </p:txBody>
+      </p:sp>
+      <p:sp>
+        <p:nvSpPr>
+          <p:cNvPr id="4" name="Date Placeholder 3"/>
           <p:cNvSpPr>
             <a:spLocks noGrp="1"/>
           </p:cNvSpPr>
@@ -1133,7 +1007,7 @@
           <a:p>
             <a:fld id="{C3ECA70A-0CD0-B248-83E8-D269A971EF55}" type="datetimeFigureOut">
               <a:rPr lang="en-US" smtClean="0"/>
-              <a:t>4/3/18</a:t>
+              <a:t>6/18/19</a:t>
             </a:fld>
             <a:endParaRPr lang="en-US"/>
           </a:p>
@@ -1141,13 +1015,7 @@
       </p:sp>
       <p:sp>
         <p:nvSpPr>
-          <p:cNvPr id="5" name="Footer Placeholder 4">
-            <a:extLst>
-              <a:ext uri="{FF2B5EF4-FFF2-40B4-BE49-F238E27FC236}">
-                <a16:creationId xmlns:a16="http://schemas.microsoft.com/office/drawing/2014/main" id="{BEF9A572-AC04-D548-9B4A-C269D5E55E2A}"/>
-              </a:ext>
-            </a:extLst>
-          </p:cNvPr>
+          <p:cNvPr id="5" name="Footer Placeholder 4"/>
           <p:cNvSpPr>
             <a:spLocks noGrp="1"/>
           </p:cNvSpPr>
@@ -1166,13 +1034,7 @@
       </p:sp>
       <p:sp>
         <p:nvSpPr>
-          <p:cNvPr id="6" name="Slide Number Placeholder 5">
-            <a:extLst>
-              <a:ext uri="{FF2B5EF4-FFF2-40B4-BE49-F238E27FC236}">
-                <a16:creationId xmlns:a16="http://schemas.microsoft.com/office/drawing/2014/main" id="{C66FD27A-F2DB-DA46-AF41-EC7402B1E77B}"/>
-              </a:ext>
-            </a:extLst>
-          </p:cNvPr>
+          <p:cNvPr id="6" name="Slide Number Placeholder 5"/>
           <p:cNvSpPr>
             <a:spLocks noGrp="1"/>
           </p:cNvSpPr>
@@ -1196,7 +1058,7 @@
     </p:spTree>
     <p:extLst>
       <p:ext uri="{BB962C8B-B14F-4D97-AF65-F5344CB8AC3E}">
-        <p14:creationId xmlns:p14="http://schemas.microsoft.com/office/powerpoint/2010/main" val="1218109053"/>
+        <p14:creationId xmlns:p14="http://schemas.microsoft.com/office/powerpoint/2010/main" val="2623754331"/>
       </p:ext>
     </p:extLst>
   </p:cSld>
@@ -1225,13 +1087,7 @@
       </p:grpSpPr>
       <p:sp>
         <p:nvSpPr>
-          <p:cNvPr id="2" name="Title 1">
-            <a:extLst>
-              <a:ext uri="{FF2B5EF4-FFF2-40B4-BE49-F238E27FC236}">
-                <a16:creationId xmlns:a16="http://schemas.microsoft.com/office/drawing/2014/main" id="{B642C8F2-D6F5-0546-A116-43F7447F1931}"/>
-              </a:ext>
-            </a:extLst>
-          </p:cNvPr>
+          <p:cNvPr id="2" name="Title 1"/>
           <p:cNvSpPr>
             <a:spLocks noGrp="1"/>
           </p:cNvSpPr>
@@ -1248,18 +1104,13 @@
               <a:rPr lang="en-US"/>
               <a:t>Click to edit Master title style</a:t>
             </a:r>
-          </a:p>
-        </p:txBody>
-      </p:sp>
-      <p:sp>
-        <p:nvSpPr>
-          <p:cNvPr id="3" name="Content Placeholder 2">
-            <a:extLst>
-              <a:ext uri="{FF2B5EF4-FFF2-40B4-BE49-F238E27FC236}">
-                <a16:creationId xmlns:a16="http://schemas.microsoft.com/office/drawing/2014/main" id="{FCCCEFAA-52DD-8842-9332-9206BDEFC5F7}"/>
-              </a:ext>
-            </a:extLst>
-          </p:cNvPr>
+            <a:endParaRPr lang="en-US" dirty="0"/>
+          </a:p>
+        </p:txBody>
+      </p:sp>
+      <p:sp>
+        <p:nvSpPr>
+          <p:cNvPr id="3" name="Content Placeholder 2"/>
           <p:cNvSpPr>
             <a:spLocks noGrp="1"/>
           </p:cNvSpPr>
@@ -1269,8 +1120,8 @@
         </p:nvSpPr>
         <p:spPr>
           <a:xfrm>
-            <a:off x="838200" y="1825625"/>
-            <a:ext cx="5181600" cy="4351338"/>
+            <a:off x="251460" y="973666"/>
+            <a:ext cx="1554480" cy="2320714"/>
           </a:xfrm>
         </p:spPr>
         <p:txBody>
@@ -1280,7 +1131,7 @@
             <a:pPr lvl="0"/>
             <a:r>
               <a:rPr lang="en-US"/>
-              <a:t>Edit Master text styles</a:t>
+              <a:t>Click to edit Master text styles</a:t>
             </a:r>
           </a:p>
           <a:p>
@@ -1310,18 +1161,13 @@
               <a:rPr lang="en-US"/>
               <a:t>Fifth level</a:t>
             </a:r>
-          </a:p>
-        </p:txBody>
-      </p:sp>
-      <p:sp>
-        <p:nvSpPr>
-          <p:cNvPr id="4" name="Content Placeholder 3">
-            <a:extLst>
-              <a:ext uri="{FF2B5EF4-FFF2-40B4-BE49-F238E27FC236}">
-                <a16:creationId xmlns:a16="http://schemas.microsoft.com/office/drawing/2014/main" id="{F3B342F5-F690-B04D-9B81-797685042A61}"/>
-              </a:ext>
-            </a:extLst>
-          </p:cNvPr>
+            <a:endParaRPr lang="en-US" dirty="0"/>
+          </a:p>
+        </p:txBody>
+      </p:sp>
+      <p:sp>
+        <p:nvSpPr>
+          <p:cNvPr id="4" name="Content Placeholder 3"/>
           <p:cNvSpPr>
             <a:spLocks noGrp="1"/>
           </p:cNvSpPr>
@@ -1331,8 +1177,8 @@
         </p:nvSpPr>
         <p:spPr>
           <a:xfrm>
-            <a:off x="6172200" y="1825625"/>
-            <a:ext cx="5181600" cy="4351338"/>
+            <a:off x="1851660" y="973666"/>
+            <a:ext cx="1554480" cy="2320714"/>
           </a:xfrm>
         </p:spPr>
         <p:txBody>
@@ -1342,7 +1188,7 @@
             <a:pPr lvl="0"/>
             <a:r>
               <a:rPr lang="en-US"/>
-              <a:t>Edit Master text styles</a:t>
+              <a:t>Click to edit Master text styles</a:t>
             </a:r>
           </a:p>
           <a:p>
@@ -1372,18 +1218,13 @@
               <a:rPr lang="en-US"/>
               <a:t>Fifth level</a:t>
             </a:r>
-          </a:p>
-        </p:txBody>
-      </p:sp>
-      <p:sp>
-        <p:nvSpPr>
-          <p:cNvPr id="5" name="Date Placeholder 4">
-            <a:extLst>
-              <a:ext uri="{FF2B5EF4-FFF2-40B4-BE49-F238E27FC236}">
-                <a16:creationId xmlns:a16="http://schemas.microsoft.com/office/drawing/2014/main" id="{3E878C8D-E780-E749-8548-478E10F7D7A8}"/>
-              </a:ext>
-            </a:extLst>
-          </p:cNvPr>
+            <a:endParaRPr lang="en-US" dirty="0"/>
+          </a:p>
+        </p:txBody>
+      </p:sp>
+      <p:sp>
+        <p:nvSpPr>
+          <p:cNvPr id="5" name="Date Placeholder 4"/>
           <p:cNvSpPr>
             <a:spLocks noGrp="1"/>
           </p:cNvSpPr>
@@ -1398,7 +1239,7 @@
           <a:p>
             <a:fld id="{C3ECA70A-0CD0-B248-83E8-D269A971EF55}" type="datetimeFigureOut">
               <a:rPr lang="en-US" smtClean="0"/>
-              <a:t>4/3/18</a:t>
+              <a:t>6/18/19</a:t>
             </a:fld>
             <a:endParaRPr lang="en-US"/>
           </a:p>
@@ -1406,13 +1247,7 @@
       </p:sp>
       <p:sp>
         <p:nvSpPr>
-          <p:cNvPr id="6" name="Footer Placeholder 5">
-            <a:extLst>
-              <a:ext uri="{FF2B5EF4-FFF2-40B4-BE49-F238E27FC236}">
-                <a16:creationId xmlns:a16="http://schemas.microsoft.com/office/drawing/2014/main" id="{8CCA8D21-0483-3942-900E-F3D5BA32396E}"/>
-              </a:ext>
-            </a:extLst>
-          </p:cNvPr>
+          <p:cNvPr id="6" name="Footer Placeholder 5"/>
           <p:cNvSpPr>
             <a:spLocks noGrp="1"/>
           </p:cNvSpPr>
@@ -1431,13 +1266,7 @@
       </p:sp>
       <p:sp>
         <p:nvSpPr>
-          <p:cNvPr id="7" name="Slide Number Placeholder 6">
-            <a:extLst>
-              <a:ext uri="{FF2B5EF4-FFF2-40B4-BE49-F238E27FC236}">
-                <a16:creationId xmlns:a16="http://schemas.microsoft.com/office/drawing/2014/main" id="{6F3BAD6B-CE15-B246-87E2-5C7F8CC0F4ED}"/>
-              </a:ext>
-            </a:extLst>
-          </p:cNvPr>
+          <p:cNvPr id="7" name="Slide Number Placeholder 6"/>
           <p:cNvSpPr>
             <a:spLocks noGrp="1"/>
           </p:cNvSpPr>
@@ -1461,7 +1290,7 @@
     </p:spTree>
     <p:extLst>
       <p:ext uri="{BB962C8B-B14F-4D97-AF65-F5344CB8AC3E}">
-        <p14:creationId xmlns:p14="http://schemas.microsoft.com/office/powerpoint/2010/main" val="4180457881"/>
+        <p14:creationId xmlns:p14="http://schemas.microsoft.com/office/powerpoint/2010/main" val="3996287309"/>
       </p:ext>
     </p:extLst>
   </p:cSld>
@@ -1490,13 +1319,7 @@
       </p:grpSpPr>
       <p:sp>
         <p:nvSpPr>
-          <p:cNvPr id="2" name="Title 1">
-            <a:extLst>
-              <a:ext uri="{FF2B5EF4-FFF2-40B4-BE49-F238E27FC236}">
-                <a16:creationId xmlns:a16="http://schemas.microsoft.com/office/drawing/2014/main" id="{F31C7508-AAB6-6642-BA68-A74E865E192E}"/>
-              </a:ext>
-            </a:extLst>
-          </p:cNvPr>
+          <p:cNvPr id="2" name="Title 1"/>
           <p:cNvSpPr>
             <a:spLocks noGrp="1"/>
           </p:cNvSpPr>
@@ -1506,8 +1329,8 @@
         </p:nvSpPr>
         <p:spPr>
           <a:xfrm>
-            <a:off x="839788" y="365125"/>
-            <a:ext cx="10515600" cy="1325563"/>
+            <a:off x="251936" y="194734"/>
+            <a:ext cx="3154680" cy="706967"/>
           </a:xfrm>
         </p:spPr>
         <p:txBody>
@@ -1518,18 +1341,13 @@
               <a:rPr lang="en-US"/>
               <a:t>Click to edit Master title style</a:t>
             </a:r>
-          </a:p>
-        </p:txBody>
-      </p:sp>
-      <p:sp>
-        <p:nvSpPr>
-          <p:cNvPr id="3" name="Text Placeholder 2">
-            <a:extLst>
-              <a:ext uri="{FF2B5EF4-FFF2-40B4-BE49-F238E27FC236}">
-                <a16:creationId xmlns:a16="http://schemas.microsoft.com/office/drawing/2014/main" id="{0ECEE428-0EEE-DC43-9532-698D33C31F91}"/>
-              </a:ext>
-            </a:extLst>
-          </p:cNvPr>
+            <a:endParaRPr lang="en-US" dirty="0"/>
+          </a:p>
+        </p:txBody>
+      </p:sp>
+      <p:sp>
+        <p:nvSpPr>
+          <p:cNvPr id="3" name="Text Placeholder 2"/>
           <p:cNvSpPr>
             <a:spLocks noGrp="1"/>
           </p:cNvSpPr>
@@ -1539,8 +1357,8 @@
         </p:nvSpPr>
         <p:spPr>
           <a:xfrm>
-            <a:off x="839788" y="1681163"/>
-            <a:ext cx="5157787" cy="823912"/>
+            <a:off x="251937" y="896620"/>
+            <a:ext cx="1547336" cy="439420"/>
           </a:xfrm>
         </p:spPr>
         <p:txBody>
@@ -1548,59 +1366,53 @@
           <a:lstStyle>
             <a:lvl1pPr marL="0" indent="0">
               <a:buNone/>
-              <a:defRPr sz="2400" b="1"/>
+              <a:defRPr sz="960" b="1"/>
             </a:lvl1pPr>
-            <a:lvl2pPr marL="457200" indent="0">
-              <a:buNone/>
-              <a:defRPr sz="2000" b="1"/>
+            <a:lvl2pPr marL="182880" indent="0">
+              <a:buNone/>
+              <a:defRPr sz="800" b="1"/>
             </a:lvl2pPr>
-            <a:lvl3pPr marL="914400" indent="0">
-              <a:buNone/>
-              <a:defRPr sz="1800" b="1"/>
+            <a:lvl3pPr marL="365760" indent="0">
+              <a:buNone/>
+              <a:defRPr sz="720" b="1"/>
             </a:lvl3pPr>
-            <a:lvl4pPr marL="1371600" indent="0">
-              <a:buNone/>
-              <a:defRPr sz="1600" b="1"/>
+            <a:lvl4pPr marL="548640" indent="0">
+              <a:buNone/>
+              <a:defRPr sz="640" b="1"/>
             </a:lvl4pPr>
-            <a:lvl5pPr marL="1828800" indent="0">
-              <a:buNone/>
-              <a:defRPr sz="1600" b="1"/>
+            <a:lvl5pPr marL="731520" indent="0">
+              <a:buNone/>
+              <a:defRPr sz="640" b="1"/>
             </a:lvl5pPr>
-            <a:lvl6pPr marL="2286000" indent="0">
-              <a:buNone/>
-              <a:defRPr sz="1600" b="1"/>
+            <a:lvl6pPr marL="914400" indent="0">
+              <a:buNone/>
+              <a:defRPr sz="640" b="1"/>
             </a:lvl6pPr>
-            <a:lvl7pPr marL="2743200" indent="0">
-              <a:buNone/>
-              <a:defRPr sz="1600" b="1"/>
+            <a:lvl7pPr marL="1097280" indent="0">
+              <a:buNone/>
+              <a:defRPr sz="640" b="1"/>
             </a:lvl7pPr>
-            <a:lvl8pPr marL="3200400" indent="0">
-              <a:buNone/>
-              <a:defRPr sz="1600" b="1"/>
+            <a:lvl8pPr marL="1280160" indent="0">
+              <a:buNone/>
+              <a:defRPr sz="640" b="1"/>
             </a:lvl8pPr>
-            <a:lvl9pPr marL="3657600" indent="0">
-              <a:buNone/>
-              <a:defRPr sz="1600" b="1"/>
+            <a:lvl9pPr marL="1463040" indent="0">
+              <a:buNone/>
+              <a:defRPr sz="640" b="1"/>
             </a:lvl9pPr>
           </a:lstStyle>
           <a:p>
             <a:pPr lvl="0"/>
             <a:r>
               <a:rPr lang="en-US"/>
-              <a:t>Edit Master text styles</a:t>
-            </a:r>
-          </a:p>
-        </p:txBody>
-      </p:sp>
-      <p:sp>
-        <p:nvSpPr>
-          <p:cNvPr id="4" name="Content Placeholder 3">
-            <a:extLst>
-              <a:ext uri="{FF2B5EF4-FFF2-40B4-BE49-F238E27FC236}">
-                <a16:creationId xmlns:a16="http://schemas.microsoft.com/office/drawing/2014/main" id="{5C26B7F2-9301-9144-B3FB-3C967B9287AA}"/>
-              </a:ext>
-            </a:extLst>
-          </p:cNvPr>
+              <a:t>Click to edit Master text styles</a:t>
+            </a:r>
+          </a:p>
+        </p:txBody>
+      </p:sp>
+      <p:sp>
+        <p:nvSpPr>
+          <p:cNvPr id="4" name="Content Placeholder 3"/>
           <p:cNvSpPr>
             <a:spLocks noGrp="1"/>
           </p:cNvSpPr>
@@ -1610,8 +1422,8 @@
         </p:nvSpPr>
         <p:spPr>
           <a:xfrm>
-            <a:off x="839788" y="2505075"/>
-            <a:ext cx="5157787" cy="3684588"/>
+            <a:off x="251937" y="1336040"/>
+            <a:ext cx="1547336" cy="1965114"/>
           </a:xfrm>
         </p:spPr>
         <p:txBody>
@@ -1621,7 +1433,7 @@
             <a:pPr lvl="0"/>
             <a:r>
               <a:rPr lang="en-US"/>
-              <a:t>Edit Master text styles</a:t>
+              <a:t>Click to edit Master text styles</a:t>
             </a:r>
           </a:p>
           <a:p>
@@ -1651,18 +1463,13 @@
               <a:rPr lang="en-US"/>
               <a:t>Fifth level</a:t>
             </a:r>
-          </a:p>
-        </p:txBody>
-      </p:sp>
-      <p:sp>
-        <p:nvSpPr>
-          <p:cNvPr id="5" name="Text Placeholder 4">
-            <a:extLst>
-              <a:ext uri="{FF2B5EF4-FFF2-40B4-BE49-F238E27FC236}">
-                <a16:creationId xmlns:a16="http://schemas.microsoft.com/office/drawing/2014/main" id="{9BBA6197-3559-2544-B9E4-B6EE1E210AE0}"/>
-              </a:ext>
-            </a:extLst>
-          </p:cNvPr>
+            <a:endParaRPr lang="en-US" dirty="0"/>
+          </a:p>
+        </p:txBody>
+      </p:sp>
+      <p:sp>
+        <p:nvSpPr>
+          <p:cNvPr id="5" name="Text Placeholder 4"/>
           <p:cNvSpPr>
             <a:spLocks noGrp="1"/>
           </p:cNvSpPr>
@@ -1672,8 +1479,8 @@
         </p:nvSpPr>
         <p:spPr>
           <a:xfrm>
-            <a:off x="6172200" y="1681163"/>
-            <a:ext cx="5183188" cy="823912"/>
+            <a:off x="1851660" y="896620"/>
+            <a:ext cx="1554956" cy="439420"/>
           </a:xfrm>
         </p:spPr>
         <p:txBody>
@@ -1681,59 +1488,53 @@
           <a:lstStyle>
             <a:lvl1pPr marL="0" indent="0">
               <a:buNone/>
-              <a:defRPr sz="2400" b="1"/>
+              <a:defRPr sz="960" b="1"/>
             </a:lvl1pPr>
-            <a:lvl2pPr marL="457200" indent="0">
-              <a:buNone/>
-              <a:defRPr sz="2000" b="1"/>
+            <a:lvl2pPr marL="182880" indent="0">
+              <a:buNone/>
+              <a:defRPr sz="800" b="1"/>
             </a:lvl2pPr>
-            <a:lvl3pPr marL="914400" indent="0">
-              <a:buNone/>
-              <a:defRPr sz="1800" b="1"/>
+            <a:lvl3pPr marL="365760" indent="0">
+              <a:buNone/>
+              <a:defRPr sz="720" b="1"/>
             </a:lvl3pPr>
-            <a:lvl4pPr marL="1371600" indent="0">
-              <a:buNone/>
-              <a:defRPr sz="1600" b="1"/>
+            <a:lvl4pPr marL="548640" indent="0">
+              <a:buNone/>
+              <a:defRPr sz="640" b="1"/>
             </a:lvl4pPr>
-            <a:lvl5pPr marL="1828800" indent="0">
-              <a:buNone/>
-              <a:defRPr sz="1600" b="1"/>
+            <a:lvl5pPr marL="731520" indent="0">
+              <a:buNone/>
+              <a:defRPr sz="640" b="1"/>
             </a:lvl5pPr>
-            <a:lvl6pPr marL="2286000" indent="0">
-              <a:buNone/>
-              <a:defRPr sz="1600" b="1"/>
+            <a:lvl6pPr marL="914400" indent="0">
+              <a:buNone/>
+              <a:defRPr sz="640" b="1"/>
             </a:lvl6pPr>
-            <a:lvl7pPr marL="2743200" indent="0">
-              <a:buNone/>
-              <a:defRPr sz="1600" b="1"/>
+            <a:lvl7pPr marL="1097280" indent="0">
+              <a:buNone/>
+              <a:defRPr sz="640" b="1"/>
             </a:lvl7pPr>
-            <a:lvl8pPr marL="3200400" indent="0">
-              <a:buNone/>
-              <a:defRPr sz="1600" b="1"/>
+            <a:lvl8pPr marL="1280160" indent="0">
+              <a:buNone/>
+              <a:defRPr sz="640" b="1"/>
             </a:lvl8pPr>
-            <a:lvl9pPr marL="3657600" indent="0">
-              <a:buNone/>
-              <a:defRPr sz="1600" b="1"/>
+            <a:lvl9pPr marL="1463040" indent="0">
+              <a:buNone/>
+              <a:defRPr sz="640" b="1"/>
             </a:lvl9pPr>
           </a:lstStyle>
           <a:p>
             <a:pPr lvl="0"/>
             <a:r>
               <a:rPr lang="en-US"/>
-              <a:t>Edit Master text styles</a:t>
-            </a:r>
-          </a:p>
-        </p:txBody>
-      </p:sp>
-      <p:sp>
-        <p:nvSpPr>
-          <p:cNvPr id="6" name="Content Placeholder 5">
-            <a:extLst>
-              <a:ext uri="{FF2B5EF4-FFF2-40B4-BE49-F238E27FC236}">
-                <a16:creationId xmlns:a16="http://schemas.microsoft.com/office/drawing/2014/main" id="{A15F1D80-7244-7D4D-AED5-F877FCB77E74}"/>
-              </a:ext>
-            </a:extLst>
-          </p:cNvPr>
+              <a:t>Click to edit Master text styles</a:t>
+            </a:r>
+          </a:p>
+        </p:txBody>
+      </p:sp>
+      <p:sp>
+        <p:nvSpPr>
+          <p:cNvPr id="6" name="Content Placeholder 5"/>
           <p:cNvSpPr>
             <a:spLocks noGrp="1"/>
           </p:cNvSpPr>
@@ -1743,8 +1544,8 @@
         </p:nvSpPr>
         <p:spPr>
           <a:xfrm>
-            <a:off x="6172200" y="2505075"/>
-            <a:ext cx="5183188" cy="3684588"/>
+            <a:off x="1851660" y="1336040"/>
+            <a:ext cx="1554956" cy="1965114"/>
           </a:xfrm>
         </p:spPr>
         <p:txBody>
@@ -1754,7 +1555,7 @@
             <a:pPr lvl="0"/>
             <a:r>
               <a:rPr lang="en-US"/>
-              <a:t>Edit Master text styles</a:t>
+              <a:t>Click to edit Master text styles</a:t>
             </a:r>
           </a:p>
           <a:p>
@@ -1784,18 +1585,13 @@
               <a:rPr lang="en-US"/>
               <a:t>Fifth level</a:t>
             </a:r>
-          </a:p>
-        </p:txBody>
-      </p:sp>
-      <p:sp>
-        <p:nvSpPr>
-          <p:cNvPr id="7" name="Date Placeholder 6">
-            <a:extLst>
-              <a:ext uri="{FF2B5EF4-FFF2-40B4-BE49-F238E27FC236}">
-                <a16:creationId xmlns:a16="http://schemas.microsoft.com/office/drawing/2014/main" id="{C9A37185-512D-EE4D-B9D1-B25266C2D084}"/>
-              </a:ext>
-            </a:extLst>
-          </p:cNvPr>
+            <a:endParaRPr lang="en-US" dirty="0"/>
+          </a:p>
+        </p:txBody>
+      </p:sp>
+      <p:sp>
+        <p:nvSpPr>
+          <p:cNvPr id="7" name="Date Placeholder 6"/>
           <p:cNvSpPr>
             <a:spLocks noGrp="1"/>
           </p:cNvSpPr>
@@ -1810,7 +1606,7 @@
           <a:p>
             <a:fld id="{C3ECA70A-0CD0-B248-83E8-D269A971EF55}" type="datetimeFigureOut">
               <a:rPr lang="en-US" smtClean="0"/>
-              <a:t>4/3/18</a:t>
+              <a:t>6/18/19</a:t>
             </a:fld>
             <a:endParaRPr lang="en-US"/>
           </a:p>
@@ -1818,13 +1614,7 @@
       </p:sp>
       <p:sp>
         <p:nvSpPr>
-          <p:cNvPr id="8" name="Footer Placeholder 7">
-            <a:extLst>
-              <a:ext uri="{FF2B5EF4-FFF2-40B4-BE49-F238E27FC236}">
-                <a16:creationId xmlns:a16="http://schemas.microsoft.com/office/drawing/2014/main" id="{DE51E91D-0F7F-5A4A-8C01-C4120F25868E}"/>
-              </a:ext>
-            </a:extLst>
-          </p:cNvPr>
+          <p:cNvPr id="8" name="Footer Placeholder 7"/>
           <p:cNvSpPr>
             <a:spLocks noGrp="1"/>
           </p:cNvSpPr>
@@ -1843,13 +1633,7 @@
       </p:sp>
       <p:sp>
         <p:nvSpPr>
-          <p:cNvPr id="9" name="Slide Number Placeholder 8">
-            <a:extLst>
-              <a:ext uri="{FF2B5EF4-FFF2-40B4-BE49-F238E27FC236}">
-                <a16:creationId xmlns:a16="http://schemas.microsoft.com/office/drawing/2014/main" id="{3FD7A751-5740-C443-A31A-AFF717DB4AB4}"/>
-              </a:ext>
-            </a:extLst>
-          </p:cNvPr>
+          <p:cNvPr id="9" name="Slide Number Placeholder 8"/>
           <p:cNvSpPr>
             <a:spLocks noGrp="1"/>
           </p:cNvSpPr>
@@ -1873,7 +1657,7 @@
     </p:spTree>
     <p:extLst>
       <p:ext uri="{BB962C8B-B14F-4D97-AF65-F5344CB8AC3E}">
-        <p14:creationId xmlns:p14="http://schemas.microsoft.com/office/powerpoint/2010/main" val="1188774526"/>
+        <p14:creationId xmlns:p14="http://schemas.microsoft.com/office/powerpoint/2010/main" val="4149322253"/>
       </p:ext>
     </p:extLst>
   </p:cSld>
@@ -1902,13 +1686,7 @@
       </p:grpSpPr>
       <p:sp>
         <p:nvSpPr>
-          <p:cNvPr id="2" name="Title 1">
-            <a:extLst>
-              <a:ext uri="{FF2B5EF4-FFF2-40B4-BE49-F238E27FC236}">
-                <a16:creationId xmlns:a16="http://schemas.microsoft.com/office/drawing/2014/main" id="{1F8AC258-60C6-D84A-8814-2672BB443B11}"/>
-              </a:ext>
-            </a:extLst>
-          </p:cNvPr>
+          <p:cNvPr id="2" name="Title 1"/>
           <p:cNvSpPr>
             <a:spLocks noGrp="1"/>
           </p:cNvSpPr>
@@ -1925,18 +1703,13 @@
               <a:rPr lang="en-US"/>
               <a:t>Click to edit Master title style</a:t>
             </a:r>
-          </a:p>
-        </p:txBody>
-      </p:sp>
-      <p:sp>
-        <p:nvSpPr>
-          <p:cNvPr id="3" name="Date Placeholder 2">
-            <a:extLst>
-              <a:ext uri="{FF2B5EF4-FFF2-40B4-BE49-F238E27FC236}">
-                <a16:creationId xmlns:a16="http://schemas.microsoft.com/office/drawing/2014/main" id="{94DD3A49-B943-2A49-A88D-58B1E46B5352}"/>
-              </a:ext>
-            </a:extLst>
-          </p:cNvPr>
+            <a:endParaRPr lang="en-US" dirty="0"/>
+          </a:p>
+        </p:txBody>
+      </p:sp>
+      <p:sp>
+        <p:nvSpPr>
+          <p:cNvPr id="3" name="Date Placeholder 2"/>
           <p:cNvSpPr>
             <a:spLocks noGrp="1"/>
           </p:cNvSpPr>
@@ -1951,7 +1724,7 @@
           <a:p>
             <a:fld id="{C3ECA70A-0CD0-B248-83E8-D269A971EF55}" type="datetimeFigureOut">
               <a:rPr lang="en-US" smtClean="0"/>
-              <a:t>4/3/18</a:t>
+              <a:t>6/18/19</a:t>
             </a:fld>
             <a:endParaRPr lang="en-US"/>
           </a:p>
@@ -1959,13 +1732,7 @@
       </p:sp>
       <p:sp>
         <p:nvSpPr>
-          <p:cNvPr id="4" name="Footer Placeholder 3">
-            <a:extLst>
-              <a:ext uri="{FF2B5EF4-FFF2-40B4-BE49-F238E27FC236}">
-                <a16:creationId xmlns:a16="http://schemas.microsoft.com/office/drawing/2014/main" id="{E176711E-2448-8B4A-8B52-DBEF650FCE53}"/>
-              </a:ext>
-            </a:extLst>
-          </p:cNvPr>
+          <p:cNvPr id="4" name="Footer Placeholder 3"/>
           <p:cNvSpPr>
             <a:spLocks noGrp="1"/>
           </p:cNvSpPr>
@@ -1984,13 +1751,7 @@
       </p:sp>
       <p:sp>
         <p:nvSpPr>
-          <p:cNvPr id="5" name="Slide Number Placeholder 4">
-            <a:extLst>
-              <a:ext uri="{FF2B5EF4-FFF2-40B4-BE49-F238E27FC236}">
-                <a16:creationId xmlns:a16="http://schemas.microsoft.com/office/drawing/2014/main" id="{A663664D-21F4-C84F-8A8B-A304867FC6CD}"/>
-              </a:ext>
-            </a:extLst>
-          </p:cNvPr>
+          <p:cNvPr id="5" name="Slide Number Placeholder 4"/>
           <p:cNvSpPr>
             <a:spLocks noGrp="1"/>
           </p:cNvSpPr>
@@ -2014,7 +1775,7 @@
     </p:spTree>
     <p:extLst>
       <p:ext uri="{BB962C8B-B14F-4D97-AF65-F5344CB8AC3E}">
-        <p14:creationId xmlns:p14="http://schemas.microsoft.com/office/powerpoint/2010/main" val="3038218860"/>
+        <p14:creationId xmlns:p14="http://schemas.microsoft.com/office/powerpoint/2010/main" val="1108756376"/>
       </p:ext>
     </p:extLst>
   </p:cSld>
@@ -2043,13 +1804,7 @@
       </p:grpSpPr>
       <p:sp>
         <p:nvSpPr>
-          <p:cNvPr id="2" name="Date Placeholder 1">
-            <a:extLst>
-              <a:ext uri="{FF2B5EF4-FFF2-40B4-BE49-F238E27FC236}">
-                <a16:creationId xmlns:a16="http://schemas.microsoft.com/office/drawing/2014/main" id="{30E17781-4D60-0040-A71E-993E4B7924BE}"/>
-              </a:ext>
-            </a:extLst>
-          </p:cNvPr>
+          <p:cNvPr id="2" name="Date Placeholder 1"/>
           <p:cNvSpPr>
             <a:spLocks noGrp="1"/>
           </p:cNvSpPr>
@@ -2064,7 +1819,7 @@
           <a:p>
             <a:fld id="{C3ECA70A-0CD0-B248-83E8-D269A971EF55}" type="datetimeFigureOut">
               <a:rPr lang="en-US" smtClean="0"/>
-              <a:t>4/3/18</a:t>
+              <a:t>6/18/19</a:t>
             </a:fld>
             <a:endParaRPr lang="en-US"/>
           </a:p>
@@ -2072,13 +1827,7 @@
       </p:sp>
       <p:sp>
         <p:nvSpPr>
-          <p:cNvPr id="3" name="Footer Placeholder 2">
-            <a:extLst>
-              <a:ext uri="{FF2B5EF4-FFF2-40B4-BE49-F238E27FC236}">
-                <a16:creationId xmlns:a16="http://schemas.microsoft.com/office/drawing/2014/main" id="{8252585C-5F26-3542-A785-9BB44998288A}"/>
-              </a:ext>
-            </a:extLst>
-          </p:cNvPr>
+          <p:cNvPr id="3" name="Footer Placeholder 2"/>
           <p:cNvSpPr>
             <a:spLocks noGrp="1"/>
           </p:cNvSpPr>
@@ -2097,13 +1846,7 @@
       </p:sp>
       <p:sp>
         <p:nvSpPr>
-          <p:cNvPr id="4" name="Slide Number Placeholder 3">
-            <a:extLst>
-              <a:ext uri="{FF2B5EF4-FFF2-40B4-BE49-F238E27FC236}">
-                <a16:creationId xmlns:a16="http://schemas.microsoft.com/office/drawing/2014/main" id="{F476F4C3-8654-8848-ACF9-35BEDA0513DA}"/>
-              </a:ext>
-            </a:extLst>
-          </p:cNvPr>
+          <p:cNvPr id="4" name="Slide Number Placeholder 3"/>
           <p:cNvSpPr>
             <a:spLocks noGrp="1"/>
           </p:cNvSpPr>
@@ -2127,7 +1870,7 @@
     </p:spTree>
     <p:extLst>
       <p:ext uri="{BB962C8B-B14F-4D97-AF65-F5344CB8AC3E}">
-        <p14:creationId xmlns:p14="http://schemas.microsoft.com/office/powerpoint/2010/main" val="983900714"/>
+        <p14:creationId xmlns:p14="http://schemas.microsoft.com/office/powerpoint/2010/main" val="3986924977"/>
       </p:ext>
     </p:extLst>
   </p:cSld>
@@ -2156,13 +1899,7 @@
       </p:grpSpPr>
       <p:sp>
         <p:nvSpPr>
-          <p:cNvPr id="2" name="Title 1">
-            <a:extLst>
-              <a:ext uri="{FF2B5EF4-FFF2-40B4-BE49-F238E27FC236}">
-                <a16:creationId xmlns:a16="http://schemas.microsoft.com/office/drawing/2014/main" id="{17177E9E-C289-4847-BECD-CE4EF46C87E4}"/>
-              </a:ext>
-            </a:extLst>
-          </p:cNvPr>
+          <p:cNvPr id="2" name="Title 1"/>
           <p:cNvSpPr>
             <a:spLocks noGrp="1"/>
           </p:cNvSpPr>
@@ -2172,15 +1909,15 @@
         </p:nvSpPr>
         <p:spPr>
           <a:xfrm>
-            <a:off x="839788" y="457200"/>
-            <a:ext cx="3932237" cy="1600200"/>
+            <a:off x="251937" y="243840"/>
+            <a:ext cx="1179671" cy="853440"/>
           </a:xfrm>
         </p:spPr>
         <p:txBody>
           <a:bodyPr anchor="b"/>
           <a:lstStyle>
             <a:lvl1pPr>
-              <a:defRPr sz="3200"/>
+              <a:defRPr sz="1280"/>
             </a:lvl1pPr>
           </a:lstStyle>
           <a:p>
@@ -2188,18 +1925,13 @@
               <a:rPr lang="en-US"/>
               <a:t>Click to edit Master title style</a:t>
             </a:r>
-          </a:p>
-        </p:txBody>
-      </p:sp>
-      <p:sp>
-        <p:nvSpPr>
-          <p:cNvPr id="3" name="Content Placeholder 2">
-            <a:extLst>
-              <a:ext uri="{FF2B5EF4-FFF2-40B4-BE49-F238E27FC236}">
-                <a16:creationId xmlns:a16="http://schemas.microsoft.com/office/drawing/2014/main" id="{08F007C9-D7A8-BD4A-8ACE-D18E222A20CF}"/>
-              </a:ext>
-            </a:extLst>
-          </p:cNvPr>
+            <a:endParaRPr lang="en-US" dirty="0"/>
+          </a:p>
+        </p:txBody>
+      </p:sp>
+      <p:sp>
+        <p:nvSpPr>
+          <p:cNvPr id="3" name="Content Placeholder 2"/>
           <p:cNvSpPr>
             <a:spLocks noGrp="1"/>
           </p:cNvSpPr>
@@ -2209,46 +1941,46 @@
         </p:nvSpPr>
         <p:spPr>
           <a:xfrm>
-            <a:off x="5183188" y="987425"/>
-            <a:ext cx="6172200" cy="4873625"/>
+            <a:off x="1554956" y="526627"/>
+            <a:ext cx="1851660" cy="2599267"/>
           </a:xfrm>
         </p:spPr>
         <p:txBody>
           <a:bodyPr/>
           <a:lstStyle>
             <a:lvl1pPr>
-              <a:defRPr sz="3200"/>
+              <a:defRPr sz="1280"/>
             </a:lvl1pPr>
             <a:lvl2pPr>
-              <a:defRPr sz="2800"/>
+              <a:defRPr sz="1120"/>
             </a:lvl2pPr>
             <a:lvl3pPr>
-              <a:defRPr sz="2400"/>
+              <a:defRPr sz="960"/>
             </a:lvl3pPr>
             <a:lvl4pPr>
-              <a:defRPr sz="2000"/>
+              <a:defRPr sz="800"/>
             </a:lvl4pPr>
             <a:lvl5pPr>
-              <a:defRPr sz="2000"/>
+              <a:defRPr sz="800"/>
             </a:lvl5pPr>
             <a:lvl6pPr>
-              <a:defRPr sz="2000"/>
+              <a:defRPr sz="800"/>
             </a:lvl6pPr>
             <a:lvl7pPr>
-              <a:defRPr sz="2000"/>
+              <a:defRPr sz="800"/>
             </a:lvl7pPr>
             <a:lvl8pPr>
-              <a:defRPr sz="2000"/>
+              <a:defRPr sz="800"/>
             </a:lvl8pPr>
             <a:lvl9pPr>
-              <a:defRPr sz="2000"/>
+              <a:defRPr sz="800"/>
             </a:lvl9pPr>
           </a:lstStyle>
           <a:p>
             <a:pPr lvl="0"/>
             <a:r>
               <a:rPr lang="en-US"/>
-              <a:t>Edit Master text styles</a:t>
+              <a:t>Click to edit Master text styles</a:t>
             </a:r>
           </a:p>
           <a:p>
@@ -2278,18 +2010,13 @@
               <a:rPr lang="en-US"/>
               <a:t>Fifth level</a:t>
             </a:r>
-          </a:p>
-        </p:txBody>
-      </p:sp>
-      <p:sp>
-        <p:nvSpPr>
-          <p:cNvPr id="4" name="Text Placeholder 3">
-            <a:extLst>
-              <a:ext uri="{FF2B5EF4-FFF2-40B4-BE49-F238E27FC236}">
-                <a16:creationId xmlns:a16="http://schemas.microsoft.com/office/drawing/2014/main" id="{1C04B5FE-1DE1-614F-9455-B42190359137}"/>
-              </a:ext>
-            </a:extLst>
-          </p:cNvPr>
+            <a:endParaRPr lang="en-US" dirty="0"/>
+          </a:p>
+        </p:txBody>
+      </p:sp>
+      <p:sp>
+        <p:nvSpPr>
+          <p:cNvPr id="4" name="Text Placeholder 3"/>
           <p:cNvSpPr>
             <a:spLocks noGrp="1"/>
           </p:cNvSpPr>
@@ -2299,8 +2026,8 @@
         </p:nvSpPr>
         <p:spPr>
           <a:xfrm>
-            <a:off x="839788" y="2057400"/>
-            <a:ext cx="3932237" cy="3811588"/>
+            <a:off x="251937" y="1097280"/>
+            <a:ext cx="1179671" cy="2032847"/>
           </a:xfrm>
         </p:spPr>
         <p:txBody>
@@ -2308,59 +2035,53 @@
           <a:lstStyle>
             <a:lvl1pPr marL="0" indent="0">
               <a:buNone/>
-              <a:defRPr sz="1600"/>
+              <a:defRPr sz="640"/>
             </a:lvl1pPr>
-            <a:lvl2pPr marL="457200" indent="0">
-              <a:buNone/>
-              <a:defRPr sz="1400"/>
+            <a:lvl2pPr marL="182880" indent="0">
+              <a:buNone/>
+              <a:defRPr sz="560"/>
             </a:lvl2pPr>
-            <a:lvl3pPr marL="914400" indent="0">
-              <a:buNone/>
-              <a:defRPr sz="1200"/>
+            <a:lvl3pPr marL="365760" indent="0">
+              <a:buNone/>
+              <a:defRPr sz="480"/>
             </a:lvl3pPr>
-            <a:lvl4pPr marL="1371600" indent="0">
-              <a:buNone/>
-              <a:defRPr sz="1000"/>
+            <a:lvl4pPr marL="548640" indent="0">
+              <a:buNone/>
+              <a:defRPr sz="400"/>
             </a:lvl4pPr>
-            <a:lvl5pPr marL="1828800" indent="0">
-              <a:buNone/>
-              <a:defRPr sz="1000"/>
+            <a:lvl5pPr marL="731520" indent="0">
+              <a:buNone/>
+              <a:defRPr sz="400"/>
             </a:lvl5pPr>
-            <a:lvl6pPr marL="2286000" indent="0">
-              <a:buNone/>
-              <a:defRPr sz="1000"/>
+            <a:lvl6pPr marL="914400" indent="0">
+              <a:buNone/>
+              <a:defRPr sz="400"/>
             </a:lvl6pPr>
-            <a:lvl7pPr marL="2743200" indent="0">
-              <a:buNone/>
-              <a:defRPr sz="1000"/>
+            <a:lvl7pPr marL="1097280" indent="0">
+              <a:buNone/>
+              <a:defRPr sz="400"/>
             </a:lvl7pPr>
-            <a:lvl8pPr marL="3200400" indent="0">
-              <a:buNone/>
-              <a:defRPr sz="1000"/>
+            <a:lvl8pPr marL="1280160" indent="0">
+              <a:buNone/>
+              <a:defRPr sz="400"/>
             </a:lvl8pPr>
-            <a:lvl9pPr marL="3657600" indent="0">
-              <a:buNone/>
-              <a:defRPr sz="1000"/>
+            <a:lvl9pPr marL="1463040" indent="0">
+              <a:buNone/>
+              <a:defRPr sz="400"/>
             </a:lvl9pPr>
           </a:lstStyle>
           <a:p>
             <a:pPr lvl="0"/>
             <a:r>
               <a:rPr lang="en-US"/>
-              <a:t>Edit Master text styles</a:t>
-            </a:r>
-          </a:p>
-        </p:txBody>
-      </p:sp>
-      <p:sp>
-        <p:nvSpPr>
-          <p:cNvPr id="5" name="Date Placeholder 4">
-            <a:extLst>
-              <a:ext uri="{FF2B5EF4-FFF2-40B4-BE49-F238E27FC236}">
-                <a16:creationId xmlns:a16="http://schemas.microsoft.com/office/drawing/2014/main" id="{2A0C7FA3-622A-A24C-9AD8-557BC523D7C8}"/>
-              </a:ext>
-            </a:extLst>
-          </p:cNvPr>
+              <a:t>Click to edit Master text styles</a:t>
+            </a:r>
+          </a:p>
+        </p:txBody>
+      </p:sp>
+      <p:sp>
+        <p:nvSpPr>
+          <p:cNvPr id="5" name="Date Placeholder 4"/>
           <p:cNvSpPr>
             <a:spLocks noGrp="1"/>
           </p:cNvSpPr>
@@ -2375,7 +2096,7 @@
           <a:p>
             <a:fld id="{C3ECA70A-0CD0-B248-83E8-D269A971EF55}" type="datetimeFigureOut">
               <a:rPr lang="en-US" smtClean="0"/>
-              <a:t>4/3/18</a:t>
+              <a:t>6/18/19</a:t>
             </a:fld>
             <a:endParaRPr lang="en-US"/>
           </a:p>
@@ -2383,13 +2104,7 @@
       </p:sp>
       <p:sp>
         <p:nvSpPr>
-          <p:cNvPr id="6" name="Footer Placeholder 5">
-            <a:extLst>
-              <a:ext uri="{FF2B5EF4-FFF2-40B4-BE49-F238E27FC236}">
-                <a16:creationId xmlns:a16="http://schemas.microsoft.com/office/drawing/2014/main" id="{5EA75D1D-0265-9C4F-AD90-89940C491DD7}"/>
-              </a:ext>
-            </a:extLst>
-          </p:cNvPr>
+          <p:cNvPr id="6" name="Footer Placeholder 5"/>
           <p:cNvSpPr>
             <a:spLocks noGrp="1"/>
           </p:cNvSpPr>
@@ -2408,13 +2123,7 @@
       </p:sp>
       <p:sp>
         <p:nvSpPr>
-          <p:cNvPr id="7" name="Slide Number Placeholder 6">
-            <a:extLst>
-              <a:ext uri="{FF2B5EF4-FFF2-40B4-BE49-F238E27FC236}">
-                <a16:creationId xmlns:a16="http://schemas.microsoft.com/office/drawing/2014/main" id="{ADE98828-B6FA-0D44-9067-DBB1FA114F45}"/>
-              </a:ext>
-            </a:extLst>
-          </p:cNvPr>
+          <p:cNvPr id="7" name="Slide Number Placeholder 6"/>
           <p:cNvSpPr>
             <a:spLocks noGrp="1"/>
           </p:cNvSpPr>
@@ -2438,7 +2147,7 @@
     </p:spTree>
     <p:extLst>
       <p:ext uri="{BB962C8B-B14F-4D97-AF65-F5344CB8AC3E}">
-        <p14:creationId xmlns:p14="http://schemas.microsoft.com/office/powerpoint/2010/main" val="2403347116"/>
+        <p14:creationId xmlns:p14="http://schemas.microsoft.com/office/powerpoint/2010/main" val="3554868721"/>
       </p:ext>
     </p:extLst>
   </p:cSld>
@@ -2467,13 +2176,7 @@
       </p:grpSpPr>
       <p:sp>
         <p:nvSpPr>
-          <p:cNvPr id="2" name="Title 1">
-            <a:extLst>
-              <a:ext uri="{FF2B5EF4-FFF2-40B4-BE49-F238E27FC236}">
-                <a16:creationId xmlns:a16="http://schemas.microsoft.com/office/drawing/2014/main" id="{77D6408B-8628-5F4D-A0C8-0B1A16FC127D}"/>
-              </a:ext>
-            </a:extLst>
-          </p:cNvPr>
+          <p:cNvPr id="2" name="Title 1"/>
           <p:cNvSpPr>
             <a:spLocks noGrp="1"/>
           </p:cNvSpPr>
@@ -2483,15 +2186,15 @@
         </p:nvSpPr>
         <p:spPr>
           <a:xfrm>
-            <a:off x="839788" y="457200"/>
-            <a:ext cx="3932237" cy="1600200"/>
+            <a:off x="251937" y="243840"/>
+            <a:ext cx="1179671" cy="853440"/>
           </a:xfrm>
         </p:spPr>
         <p:txBody>
           <a:bodyPr anchor="b"/>
           <a:lstStyle>
             <a:lvl1pPr>
-              <a:defRPr sz="3200"/>
+              <a:defRPr sz="1280"/>
             </a:lvl1pPr>
           </a:lstStyle>
           <a:p>
@@ -2499,20 +2202,15 @@
               <a:rPr lang="en-US"/>
               <a:t>Click to edit Master title style</a:t>
             </a:r>
-          </a:p>
-        </p:txBody>
-      </p:sp>
-      <p:sp>
-        <p:nvSpPr>
-          <p:cNvPr id="3" name="Picture Placeholder 2">
-            <a:extLst>
-              <a:ext uri="{FF2B5EF4-FFF2-40B4-BE49-F238E27FC236}">
-                <a16:creationId xmlns:a16="http://schemas.microsoft.com/office/drawing/2014/main" id="{E5E23C2A-FF6F-0142-871A-7A7489BBA7EC}"/>
-              </a:ext>
-            </a:extLst>
-          </p:cNvPr>
-          <p:cNvSpPr>
-            <a:spLocks noGrp="1"/>
+            <a:endParaRPr lang="en-US" dirty="0"/>
+          </a:p>
+        </p:txBody>
+      </p:sp>
+      <p:sp>
+        <p:nvSpPr>
+          <p:cNvPr id="3" name="Picture Placeholder 2"/>
+          <p:cNvSpPr>
+            <a:spLocks noGrp="1" noChangeAspect="1"/>
           </p:cNvSpPr>
           <p:nvPr>
             <p:ph type="pic" idx="1"/>
@@ -2520,8 +2218,73 @@
         </p:nvSpPr>
         <p:spPr>
           <a:xfrm>
-            <a:off x="5183188" y="987425"/>
-            <a:ext cx="6172200" cy="4873625"/>
+            <a:off x="1554956" y="526627"/>
+            <a:ext cx="1851660" cy="2599267"/>
+          </a:xfrm>
+        </p:spPr>
+        <p:txBody>
+          <a:bodyPr anchor="t"/>
+          <a:lstStyle>
+            <a:lvl1pPr marL="0" indent="0">
+              <a:buNone/>
+              <a:defRPr sz="1280"/>
+            </a:lvl1pPr>
+            <a:lvl2pPr marL="182880" indent="0">
+              <a:buNone/>
+              <a:defRPr sz="1120"/>
+            </a:lvl2pPr>
+            <a:lvl3pPr marL="365760" indent="0">
+              <a:buNone/>
+              <a:defRPr sz="960"/>
+            </a:lvl3pPr>
+            <a:lvl4pPr marL="548640" indent="0">
+              <a:buNone/>
+              <a:defRPr sz="800"/>
+            </a:lvl4pPr>
+            <a:lvl5pPr marL="731520" indent="0">
+              <a:buNone/>
+              <a:defRPr sz="800"/>
+            </a:lvl5pPr>
+            <a:lvl6pPr marL="914400" indent="0">
+              <a:buNone/>
+              <a:defRPr sz="800"/>
+            </a:lvl6pPr>
+            <a:lvl7pPr marL="1097280" indent="0">
+              <a:buNone/>
+              <a:defRPr sz="800"/>
+            </a:lvl7pPr>
+            <a:lvl8pPr marL="1280160" indent="0">
+              <a:buNone/>
+              <a:defRPr sz="800"/>
+            </a:lvl8pPr>
+            <a:lvl9pPr marL="1463040" indent="0">
+              <a:buNone/>
+              <a:defRPr sz="800"/>
+            </a:lvl9pPr>
+          </a:lstStyle>
+          <a:p>
+            <a:r>
+              <a:rPr lang="en-US"/>
+              <a:t>Click icon to add picture</a:t>
+            </a:r>
+            <a:endParaRPr lang="en-US" dirty="0"/>
+          </a:p>
+        </p:txBody>
+      </p:sp>
+      <p:sp>
+        <p:nvSpPr>
+          <p:cNvPr id="4" name="Text Placeholder 3"/>
+          <p:cNvSpPr>
+            <a:spLocks noGrp="1"/>
+          </p:cNvSpPr>
+          <p:nvPr>
+            <p:ph type="body" sz="half" idx="2"/>
+          </p:nvPr>
+        </p:nvSpPr>
+        <p:spPr>
+          <a:xfrm>
+            <a:off x="251937" y="1097280"/>
+            <a:ext cx="1179671" cy="2032847"/>
           </a:xfrm>
         </p:spPr>
         <p:txBody>
@@ -2529,126 +2292,53 @@
           <a:lstStyle>
             <a:lvl1pPr marL="0" indent="0">
               <a:buNone/>
-              <a:defRPr sz="3200"/>
+              <a:defRPr sz="640"/>
             </a:lvl1pPr>
-            <a:lvl2pPr marL="457200" indent="0">
-              <a:buNone/>
-              <a:defRPr sz="2800"/>
+            <a:lvl2pPr marL="182880" indent="0">
+              <a:buNone/>
+              <a:defRPr sz="560"/>
             </a:lvl2pPr>
-            <a:lvl3pPr marL="914400" indent="0">
-              <a:buNone/>
-              <a:defRPr sz="2400"/>
+            <a:lvl3pPr marL="365760" indent="0">
+              <a:buNone/>
+              <a:defRPr sz="480"/>
             </a:lvl3pPr>
-            <a:lvl4pPr marL="1371600" indent="0">
-              <a:buNone/>
-              <a:defRPr sz="2000"/>
+            <a:lvl4pPr marL="548640" indent="0">
+              <a:buNone/>
+              <a:defRPr sz="400"/>
             </a:lvl4pPr>
-            <a:lvl5pPr marL="1828800" indent="0">
-              <a:buNone/>
-              <a:defRPr sz="2000"/>
+            <a:lvl5pPr marL="731520" indent="0">
+              <a:buNone/>
+              <a:defRPr sz="400"/>
             </a:lvl5pPr>
-            <a:lvl6pPr marL="2286000" indent="0">
-              <a:buNone/>
-              <a:defRPr sz="2000"/>
+            <a:lvl6pPr marL="914400" indent="0">
+              <a:buNone/>
+              <a:defRPr sz="400"/>
             </a:lvl6pPr>
-            <a:lvl7pPr marL="2743200" indent="0">
-              <a:buNone/>
-              <a:defRPr sz="2000"/>
+            <a:lvl7pPr marL="1097280" indent="0">
+              <a:buNone/>
+              <a:defRPr sz="400"/>
             </a:lvl7pPr>
-            <a:lvl8pPr marL="3200400" indent="0">
-              <a:buNone/>
-              <a:defRPr sz="2000"/>
+            <a:lvl8pPr marL="1280160" indent="0">
+              <a:buNone/>
+              <a:defRPr sz="400"/>
             </a:lvl8pPr>
-            <a:lvl9pPr marL="3657600" indent="0">
-              <a:buNone/>
-              <a:defRPr sz="2000"/>
+            <a:lvl9pPr marL="1463040" indent="0">
+              <a:buNone/>
+              <a:defRPr sz="400"/>
             </a:lvl9pPr>
           </a:lstStyle>
           <a:p>
-            <a:endParaRPr lang="en-US"/>
-          </a:p>
-        </p:txBody>
-      </p:sp>
-      <p:sp>
-        <p:nvSpPr>
-          <p:cNvPr id="4" name="Text Placeholder 3">
-            <a:extLst>
-              <a:ext uri="{FF2B5EF4-FFF2-40B4-BE49-F238E27FC236}">
-                <a16:creationId xmlns:a16="http://schemas.microsoft.com/office/drawing/2014/main" id="{539CFBC4-0A1C-F04C-BA96-2D568B030616}"/>
-              </a:ext>
-            </a:extLst>
-          </p:cNvPr>
-          <p:cNvSpPr>
-            <a:spLocks noGrp="1"/>
-          </p:cNvSpPr>
-          <p:nvPr>
-            <p:ph type="body" sz="half" idx="2"/>
-          </p:nvPr>
-        </p:nvSpPr>
-        <p:spPr>
-          <a:xfrm>
-            <a:off x="839788" y="2057400"/>
-            <a:ext cx="3932237" cy="3811588"/>
-          </a:xfrm>
-        </p:spPr>
-        <p:txBody>
-          <a:bodyPr/>
-          <a:lstStyle>
-            <a:lvl1pPr marL="0" indent="0">
-              <a:buNone/>
-              <a:defRPr sz="1600"/>
-            </a:lvl1pPr>
-            <a:lvl2pPr marL="457200" indent="0">
-              <a:buNone/>
-              <a:defRPr sz="1400"/>
-            </a:lvl2pPr>
-            <a:lvl3pPr marL="914400" indent="0">
-              <a:buNone/>
-              <a:defRPr sz="1200"/>
-            </a:lvl3pPr>
-            <a:lvl4pPr marL="1371600" indent="0">
-              <a:buNone/>
-              <a:defRPr sz="1000"/>
-            </a:lvl4pPr>
-            <a:lvl5pPr marL="1828800" indent="0">
-              <a:buNone/>
-              <a:defRPr sz="1000"/>
-            </a:lvl5pPr>
-            <a:lvl6pPr marL="2286000" indent="0">
-              <a:buNone/>
-              <a:defRPr sz="1000"/>
-            </a:lvl6pPr>
-            <a:lvl7pPr marL="2743200" indent="0">
-              <a:buNone/>
-              <a:defRPr sz="1000"/>
-            </a:lvl7pPr>
-            <a:lvl8pPr marL="3200400" indent="0">
-              <a:buNone/>
-              <a:defRPr sz="1000"/>
-            </a:lvl8pPr>
-            <a:lvl9pPr marL="3657600" indent="0">
-              <a:buNone/>
-              <a:defRPr sz="1000"/>
-            </a:lvl9pPr>
-          </a:lstStyle>
-          <a:p>
             <a:pPr lvl="0"/>
             <a:r>
               <a:rPr lang="en-US"/>
-              <a:t>Edit Master text styles</a:t>
-            </a:r>
-          </a:p>
-        </p:txBody>
-      </p:sp>
-      <p:sp>
-        <p:nvSpPr>
-          <p:cNvPr id="5" name="Date Placeholder 4">
-            <a:extLst>
-              <a:ext uri="{FF2B5EF4-FFF2-40B4-BE49-F238E27FC236}">
-                <a16:creationId xmlns:a16="http://schemas.microsoft.com/office/drawing/2014/main" id="{7583B11B-84A6-1B4A-A5AB-D3D74EE89AB3}"/>
-              </a:ext>
-            </a:extLst>
-          </p:cNvPr>
+              <a:t>Click to edit Master text styles</a:t>
+            </a:r>
+          </a:p>
+        </p:txBody>
+      </p:sp>
+      <p:sp>
+        <p:nvSpPr>
+          <p:cNvPr id="5" name="Date Placeholder 4"/>
           <p:cNvSpPr>
             <a:spLocks noGrp="1"/>
           </p:cNvSpPr>
@@ -2663,7 +2353,7 @@
           <a:p>
             <a:fld id="{C3ECA70A-0CD0-B248-83E8-D269A971EF55}" type="datetimeFigureOut">
               <a:rPr lang="en-US" smtClean="0"/>
-              <a:t>4/3/18</a:t>
+              <a:t>6/18/19</a:t>
             </a:fld>
             <a:endParaRPr lang="en-US"/>
           </a:p>
@@ -2671,13 +2361,7 @@
       </p:sp>
       <p:sp>
         <p:nvSpPr>
-          <p:cNvPr id="6" name="Footer Placeholder 5">
-            <a:extLst>
-              <a:ext uri="{FF2B5EF4-FFF2-40B4-BE49-F238E27FC236}">
-                <a16:creationId xmlns:a16="http://schemas.microsoft.com/office/drawing/2014/main" id="{C1438F9D-C1BF-7743-A2E5-351AF218EA45}"/>
-              </a:ext>
-            </a:extLst>
-          </p:cNvPr>
+          <p:cNvPr id="6" name="Footer Placeholder 5"/>
           <p:cNvSpPr>
             <a:spLocks noGrp="1"/>
           </p:cNvSpPr>
@@ -2696,13 +2380,7 @@
       </p:sp>
       <p:sp>
         <p:nvSpPr>
-          <p:cNvPr id="7" name="Slide Number Placeholder 6">
-            <a:extLst>
-              <a:ext uri="{FF2B5EF4-FFF2-40B4-BE49-F238E27FC236}">
-                <a16:creationId xmlns:a16="http://schemas.microsoft.com/office/drawing/2014/main" id="{BA7D5164-5828-6D41-BDA6-755C13AEB3C4}"/>
-              </a:ext>
-            </a:extLst>
-          </p:cNvPr>
+          <p:cNvPr id="7" name="Slide Number Placeholder 6"/>
           <p:cNvSpPr>
             <a:spLocks noGrp="1"/>
           </p:cNvSpPr>
@@ -2726,7 +2404,7 @@
     </p:spTree>
     <p:extLst>
       <p:ext uri="{BB962C8B-B14F-4D97-AF65-F5344CB8AC3E}">
-        <p14:creationId xmlns:p14="http://schemas.microsoft.com/office/powerpoint/2010/main" val="3762958767"/>
+        <p14:creationId xmlns:p14="http://schemas.microsoft.com/office/powerpoint/2010/main" val="451811176"/>
       </p:ext>
     </p:extLst>
   </p:cSld>
@@ -2760,13 +2438,7 @@
       </p:grpSpPr>
       <p:sp>
         <p:nvSpPr>
-          <p:cNvPr id="2" name="Title Placeholder 1">
-            <a:extLst>
-              <a:ext uri="{FF2B5EF4-FFF2-40B4-BE49-F238E27FC236}">
-                <a16:creationId xmlns:a16="http://schemas.microsoft.com/office/drawing/2014/main" id="{A182735D-6F23-C644-9C14-7F5DB2248D16}"/>
-              </a:ext>
-            </a:extLst>
-          </p:cNvPr>
+          <p:cNvPr id="2" name="Title Placeholder 1"/>
           <p:cNvSpPr>
             <a:spLocks noGrp="1"/>
           </p:cNvSpPr>
@@ -2776,8 +2448,8 @@
         </p:nvSpPr>
         <p:spPr>
           <a:xfrm>
-            <a:off x="838200" y="365125"/>
-            <a:ext cx="10515600" cy="1325563"/>
+            <a:off x="251460" y="194734"/>
+            <a:ext cx="3154680" cy="706967"/>
           </a:xfrm>
           <a:prstGeom prst="rect">
             <a:avLst/>
@@ -2793,18 +2465,13 @@
               <a:rPr lang="en-US"/>
               <a:t>Click to edit Master title style</a:t>
             </a:r>
-          </a:p>
-        </p:txBody>
-      </p:sp>
-      <p:sp>
-        <p:nvSpPr>
-          <p:cNvPr id="3" name="Text Placeholder 2">
-            <a:extLst>
-              <a:ext uri="{FF2B5EF4-FFF2-40B4-BE49-F238E27FC236}">
-                <a16:creationId xmlns:a16="http://schemas.microsoft.com/office/drawing/2014/main" id="{32FF4D11-9392-104D-8DAE-ACC831388C5A}"/>
-              </a:ext>
-            </a:extLst>
-          </p:cNvPr>
+            <a:endParaRPr lang="en-US" dirty="0"/>
+          </a:p>
+        </p:txBody>
+      </p:sp>
+      <p:sp>
+        <p:nvSpPr>
+          <p:cNvPr id="3" name="Text Placeholder 2"/>
           <p:cNvSpPr>
             <a:spLocks noGrp="1"/>
           </p:cNvSpPr>
@@ -2814,8 +2481,8 @@
         </p:nvSpPr>
         <p:spPr>
           <a:xfrm>
-            <a:off x="838200" y="1825625"/>
-            <a:ext cx="10515600" cy="4351338"/>
+            <a:off x="251460" y="973666"/>
+            <a:ext cx="3154680" cy="2320714"/>
           </a:xfrm>
           <a:prstGeom prst="rect">
             <a:avLst/>
@@ -2830,7 +2497,7 @@
             <a:pPr lvl="0"/>
             <a:r>
               <a:rPr lang="en-US"/>
-              <a:t>Edit Master text styles</a:t>
+              <a:t>Click to edit Master text styles</a:t>
             </a:r>
           </a:p>
           <a:p>
@@ -2860,18 +2527,13 @@
               <a:rPr lang="en-US"/>
               <a:t>Fifth level</a:t>
             </a:r>
-          </a:p>
-        </p:txBody>
-      </p:sp>
-      <p:sp>
-        <p:nvSpPr>
-          <p:cNvPr id="4" name="Date Placeholder 3">
-            <a:extLst>
-              <a:ext uri="{FF2B5EF4-FFF2-40B4-BE49-F238E27FC236}">
-                <a16:creationId xmlns:a16="http://schemas.microsoft.com/office/drawing/2014/main" id="{52D03AF2-5B40-284E-8D3A-6F3040637EC6}"/>
-              </a:ext>
-            </a:extLst>
-          </p:cNvPr>
+            <a:endParaRPr lang="en-US" dirty="0"/>
+          </a:p>
+        </p:txBody>
+      </p:sp>
+      <p:sp>
+        <p:nvSpPr>
+          <p:cNvPr id="4" name="Date Placeholder 3"/>
           <p:cNvSpPr>
             <a:spLocks noGrp="1"/>
           </p:cNvSpPr>
@@ -2881,8 +2543,8 @@
         </p:nvSpPr>
         <p:spPr>
           <a:xfrm>
-            <a:off x="838200" y="6356350"/>
-            <a:ext cx="2743200" cy="365125"/>
+            <a:off x="251460" y="3390054"/>
+            <a:ext cx="822960" cy="194733"/>
           </a:xfrm>
           <a:prstGeom prst="rect">
             <a:avLst/>
@@ -2892,7 +2554,7 @@
           <a:bodyPr vert="horz" lIns="91440" tIns="45720" rIns="91440" bIns="45720" rtlCol="0" anchor="ctr"/>
           <a:lstStyle>
             <a:lvl1pPr algn="l">
-              <a:defRPr sz="1200">
+              <a:defRPr sz="480">
                 <a:solidFill>
                   <a:schemeClr val="tx1">
                     <a:tint val="75000"/>
@@ -2904,7 +2566,7 @@
           <a:p>
             <a:fld id="{C3ECA70A-0CD0-B248-83E8-D269A971EF55}" type="datetimeFigureOut">
               <a:rPr lang="en-US" smtClean="0"/>
-              <a:t>4/3/18</a:t>
+              <a:t>6/18/19</a:t>
             </a:fld>
             <a:endParaRPr lang="en-US"/>
           </a:p>
@@ -2912,13 +2574,7 @@
       </p:sp>
       <p:sp>
         <p:nvSpPr>
-          <p:cNvPr id="5" name="Footer Placeholder 4">
-            <a:extLst>
-              <a:ext uri="{FF2B5EF4-FFF2-40B4-BE49-F238E27FC236}">
-                <a16:creationId xmlns:a16="http://schemas.microsoft.com/office/drawing/2014/main" id="{B405DB21-30A9-914E-8684-8C539F86919E}"/>
-              </a:ext>
-            </a:extLst>
-          </p:cNvPr>
+          <p:cNvPr id="5" name="Footer Placeholder 4"/>
           <p:cNvSpPr>
             <a:spLocks noGrp="1"/>
           </p:cNvSpPr>
@@ -2928,8 +2584,8 @@
         </p:nvSpPr>
         <p:spPr>
           <a:xfrm>
-            <a:off x="4038600" y="6356350"/>
-            <a:ext cx="4114800" cy="365125"/>
+            <a:off x="1211580" y="3390054"/>
+            <a:ext cx="1234440" cy="194733"/>
           </a:xfrm>
           <a:prstGeom prst="rect">
             <a:avLst/>
@@ -2939,7 +2595,7 @@
           <a:bodyPr vert="horz" lIns="91440" tIns="45720" rIns="91440" bIns="45720" rtlCol="0" anchor="ctr"/>
           <a:lstStyle>
             <a:lvl1pPr algn="ctr">
-              <a:defRPr sz="1200">
+              <a:defRPr sz="480">
                 <a:solidFill>
                   <a:schemeClr val="tx1">
                     <a:tint val="75000"/>
@@ -2955,13 +2611,7 @@
       </p:sp>
       <p:sp>
         <p:nvSpPr>
-          <p:cNvPr id="6" name="Slide Number Placeholder 5">
-            <a:extLst>
-              <a:ext uri="{FF2B5EF4-FFF2-40B4-BE49-F238E27FC236}">
-                <a16:creationId xmlns:a16="http://schemas.microsoft.com/office/drawing/2014/main" id="{30E2AEFE-1423-094C-8544-5C64666A285D}"/>
-              </a:ext>
-            </a:extLst>
-          </p:cNvPr>
+          <p:cNvPr id="6" name="Slide Number Placeholder 5"/>
           <p:cNvSpPr>
             <a:spLocks noGrp="1"/>
           </p:cNvSpPr>
@@ -2971,8 +2621,8 @@
         </p:nvSpPr>
         <p:spPr>
           <a:xfrm>
-            <a:off x="8610600" y="6356350"/>
-            <a:ext cx="2743200" cy="365125"/>
+            <a:off x="2583180" y="3390054"/>
+            <a:ext cx="822960" cy="194733"/>
           </a:xfrm>
           <a:prstGeom prst="rect">
             <a:avLst/>
@@ -2982,7 +2632,7 @@
           <a:bodyPr vert="horz" lIns="91440" tIns="45720" rIns="91440" bIns="45720" rtlCol="0" anchor="ctr"/>
           <a:lstStyle>
             <a:lvl1pPr algn="r">
-              <a:defRPr sz="1200">
+              <a:defRPr sz="480">
                 <a:solidFill>
                   <a:schemeClr val="tx1">
                     <a:tint val="75000"/>
@@ -3003,27 +2653,27 @@
     </p:spTree>
     <p:extLst>
       <p:ext uri="{BB962C8B-B14F-4D97-AF65-F5344CB8AC3E}">
-        <p14:creationId xmlns:p14="http://schemas.microsoft.com/office/powerpoint/2010/main" val="4109017063"/>
+        <p14:creationId xmlns:p14="http://schemas.microsoft.com/office/powerpoint/2010/main" val="1178882369"/>
       </p:ext>
     </p:extLst>
   </p:cSld>
   <p:clrMap bg1="lt1" tx1="dk1" bg2="lt2" tx2="dk2" accent1="accent1" accent2="accent2" accent3="accent3" accent4="accent4" accent5="accent5" accent6="accent6" hlink="hlink" folHlink="folHlink"/>
   <p:sldLayoutIdLst>
-    <p:sldLayoutId id="2147483649" r:id="rId1"/>
-    <p:sldLayoutId id="2147483650" r:id="rId2"/>
-    <p:sldLayoutId id="2147483651" r:id="rId3"/>
-    <p:sldLayoutId id="2147483652" r:id="rId4"/>
-    <p:sldLayoutId id="2147483653" r:id="rId5"/>
-    <p:sldLayoutId id="2147483654" r:id="rId6"/>
-    <p:sldLayoutId id="2147483655" r:id="rId7"/>
-    <p:sldLayoutId id="2147483656" r:id="rId8"/>
-    <p:sldLayoutId id="2147483657" r:id="rId9"/>
-    <p:sldLayoutId id="2147483658" r:id="rId10"/>
-    <p:sldLayoutId id="2147483659" r:id="rId11"/>
+    <p:sldLayoutId id="2147483685" r:id="rId1"/>
+    <p:sldLayoutId id="2147483686" r:id="rId2"/>
+    <p:sldLayoutId id="2147483687" r:id="rId3"/>
+    <p:sldLayoutId id="2147483688" r:id="rId4"/>
+    <p:sldLayoutId id="2147483689" r:id="rId5"/>
+    <p:sldLayoutId id="2147483690" r:id="rId6"/>
+    <p:sldLayoutId id="2147483691" r:id="rId7"/>
+    <p:sldLayoutId id="2147483692" r:id="rId8"/>
+    <p:sldLayoutId id="2147483693" r:id="rId9"/>
+    <p:sldLayoutId id="2147483694" r:id="rId10"/>
+    <p:sldLayoutId id="2147483695" r:id="rId11"/>
   </p:sldLayoutIdLst>
   <p:txStyles>
     <p:titleStyle>
-      <a:lvl1pPr algn="l" defTabSz="914400" rtl="0" eaLnBrk="1" latinLnBrk="0" hangingPunct="1">
+      <a:lvl1pPr algn="l" defTabSz="365760" rtl="0" eaLnBrk="1" latinLnBrk="0" hangingPunct="1">
         <a:lnSpc>
           <a:spcPct val="90000"/>
         </a:lnSpc>
@@ -3031,7 +2681,7 @@
           <a:spcPct val="0"/>
         </a:spcBef>
         <a:buNone/>
-        <a:defRPr sz="4400" kern="1200">
+        <a:defRPr sz="1760" kern="1200">
           <a:solidFill>
             <a:schemeClr val="tx1"/>
           </a:solidFill>
@@ -3042,16 +2692,16 @@
       </a:lvl1pPr>
     </p:titleStyle>
     <p:bodyStyle>
-      <a:lvl1pPr marL="228600" indent="-228600" algn="l" defTabSz="914400" rtl="0" eaLnBrk="1" latinLnBrk="0" hangingPunct="1">
+      <a:lvl1pPr marL="91440" indent="-91440" algn="l" defTabSz="365760" rtl="0" eaLnBrk="1" latinLnBrk="0" hangingPunct="1">
         <a:lnSpc>
           <a:spcPct val="90000"/>
         </a:lnSpc>
         <a:spcBef>
-          <a:spcPts val="1000"/>
+          <a:spcPts val="400"/>
         </a:spcBef>
         <a:buFont typeface="Arial" panose="020B0604020202020204" pitchFamily="34" charset="0"/>
         <a:buChar char="•"/>
-        <a:defRPr sz="2800" kern="1200">
+        <a:defRPr sz="1120" kern="1200">
           <a:solidFill>
             <a:schemeClr val="tx1"/>
           </a:solidFill>
@@ -3060,16 +2710,16 @@
           <a:cs typeface="+mn-cs"/>
         </a:defRPr>
       </a:lvl1pPr>
-      <a:lvl2pPr marL="685800" indent="-228600" algn="l" defTabSz="914400" rtl="0" eaLnBrk="1" latinLnBrk="0" hangingPunct="1">
+      <a:lvl2pPr marL="274320" indent="-91440" algn="l" defTabSz="365760" rtl="0" eaLnBrk="1" latinLnBrk="0" hangingPunct="1">
         <a:lnSpc>
           <a:spcPct val="90000"/>
         </a:lnSpc>
         <a:spcBef>
-          <a:spcPts val="500"/>
+          <a:spcPts val="200"/>
         </a:spcBef>
         <a:buFont typeface="Arial" panose="020B0604020202020204" pitchFamily="34" charset="0"/>
         <a:buChar char="•"/>
-        <a:defRPr sz="2400" kern="1200">
+        <a:defRPr sz="960" kern="1200">
           <a:solidFill>
             <a:schemeClr val="tx1"/>
           </a:solidFill>
@@ -3078,16 +2728,16 @@
           <a:cs typeface="+mn-cs"/>
         </a:defRPr>
       </a:lvl2pPr>
-      <a:lvl3pPr marL="1143000" indent="-228600" algn="l" defTabSz="914400" rtl="0" eaLnBrk="1" latinLnBrk="0" hangingPunct="1">
+      <a:lvl3pPr marL="457200" indent="-91440" algn="l" defTabSz="365760" rtl="0" eaLnBrk="1" latinLnBrk="0" hangingPunct="1">
         <a:lnSpc>
           <a:spcPct val="90000"/>
         </a:lnSpc>
         <a:spcBef>
-          <a:spcPts val="500"/>
+          <a:spcPts val="200"/>
         </a:spcBef>
         <a:buFont typeface="Arial" panose="020B0604020202020204" pitchFamily="34" charset="0"/>
         <a:buChar char="•"/>
-        <a:defRPr sz="2000" kern="1200">
+        <a:defRPr sz="800" kern="1200">
           <a:solidFill>
             <a:schemeClr val="tx1"/>
           </a:solidFill>
@@ -3096,16 +2746,16 @@
           <a:cs typeface="+mn-cs"/>
         </a:defRPr>
       </a:lvl3pPr>
-      <a:lvl4pPr marL="1600200" indent="-228600" algn="l" defTabSz="914400" rtl="0" eaLnBrk="1" latinLnBrk="0" hangingPunct="1">
+      <a:lvl4pPr marL="640080" indent="-91440" algn="l" defTabSz="365760" rtl="0" eaLnBrk="1" latinLnBrk="0" hangingPunct="1">
         <a:lnSpc>
           <a:spcPct val="90000"/>
         </a:lnSpc>
         <a:spcBef>
-          <a:spcPts val="500"/>
+          <a:spcPts val="200"/>
         </a:spcBef>
         <a:buFont typeface="Arial" panose="020B0604020202020204" pitchFamily="34" charset="0"/>
         <a:buChar char="•"/>
-        <a:defRPr sz="1800" kern="1200">
+        <a:defRPr sz="720" kern="1200">
           <a:solidFill>
             <a:schemeClr val="tx1"/>
           </a:solidFill>
@@ -3114,16 +2764,16 @@
           <a:cs typeface="+mn-cs"/>
         </a:defRPr>
       </a:lvl4pPr>
-      <a:lvl5pPr marL="2057400" indent="-228600" algn="l" defTabSz="914400" rtl="0" eaLnBrk="1" latinLnBrk="0" hangingPunct="1">
+      <a:lvl5pPr marL="822960" indent="-91440" algn="l" defTabSz="365760" rtl="0" eaLnBrk="1" latinLnBrk="0" hangingPunct="1">
         <a:lnSpc>
           <a:spcPct val="90000"/>
         </a:lnSpc>
         <a:spcBef>
-          <a:spcPts val="500"/>
+          <a:spcPts val="200"/>
         </a:spcBef>
         <a:buFont typeface="Arial" panose="020B0604020202020204" pitchFamily="34" charset="0"/>
         <a:buChar char="•"/>
-        <a:defRPr sz="1800" kern="1200">
+        <a:defRPr sz="720" kern="1200">
           <a:solidFill>
             <a:schemeClr val="tx1"/>
           </a:solidFill>
@@ -3132,16 +2782,16 @@
           <a:cs typeface="+mn-cs"/>
         </a:defRPr>
       </a:lvl5pPr>
-      <a:lvl6pPr marL="2514600" indent="-228600" algn="l" defTabSz="914400" rtl="0" eaLnBrk="1" latinLnBrk="0" hangingPunct="1">
+      <a:lvl6pPr marL="1005840" indent="-91440" algn="l" defTabSz="365760" rtl="0" eaLnBrk="1" latinLnBrk="0" hangingPunct="1">
         <a:lnSpc>
           <a:spcPct val="90000"/>
         </a:lnSpc>
         <a:spcBef>
-          <a:spcPts val="500"/>
+          <a:spcPts val="200"/>
         </a:spcBef>
         <a:buFont typeface="Arial" panose="020B0604020202020204" pitchFamily="34" charset="0"/>
         <a:buChar char="•"/>
-        <a:defRPr sz="1800" kern="1200">
+        <a:defRPr sz="720" kern="1200">
           <a:solidFill>
             <a:schemeClr val="tx1"/>
           </a:solidFill>
@@ -3150,16 +2800,16 @@
           <a:cs typeface="+mn-cs"/>
         </a:defRPr>
       </a:lvl6pPr>
-      <a:lvl7pPr marL="2971800" indent="-228600" algn="l" defTabSz="914400" rtl="0" eaLnBrk="1" latinLnBrk="0" hangingPunct="1">
+      <a:lvl7pPr marL="1188720" indent="-91440" algn="l" defTabSz="365760" rtl="0" eaLnBrk="1" latinLnBrk="0" hangingPunct="1">
         <a:lnSpc>
           <a:spcPct val="90000"/>
         </a:lnSpc>
         <a:spcBef>
-          <a:spcPts val="500"/>
+          <a:spcPts val="200"/>
         </a:spcBef>
         <a:buFont typeface="Arial" panose="020B0604020202020204" pitchFamily="34" charset="0"/>
         <a:buChar char="•"/>
-        <a:defRPr sz="1800" kern="1200">
+        <a:defRPr sz="720" kern="1200">
           <a:solidFill>
             <a:schemeClr val="tx1"/>
           </a:solidFill>
@@ -3168,16 +2818,16 @@
           <a:cs typeface="+mn-cs"/>
         </a:defRPr>
       </a:lvl7pPr>
-      <a:lvl8pPr marL="3429000" indent="-228600" algn="l" defTabSz="914400" rtl="0" eaLnBrk="1" latinLnBrk="0" hangingPunct="1">
+      <a:lvl8pPr marL="1371600" indent="-91440" algn="l" defTabSz="365760" rtl="0" eaLnBrk="1" latinLnBrk="0" hangingPunct="1">
         <a:lnSpc>
           <a:spcPct val="90000"/>
         </a:lnSpc>
         <a:spcBef>
-          <a:spcPts val="500"/>
+          <a:spcPts val="200"/>
         </a:spcBef>
         <a:buFont typeface="Arial" panose="020B0604020202020204" pitchFamily="34" charset="0"/>
         <a:buChar char="•"/>
-        <a:defRPr sz="1800" kern="1200">
+        <a:defRPr sz="720" kern="1200">
           <a:solidFill>
             <a:schemeClr val="tx1"/>
           </a:solidFill>
@@ -3186,16 +2836,16 @@
           <a:cs typeface="+mn-cs"/>
         </a:defRPr>
       </a:lvl8pPr>
-      <a:lvl9pPr marL="3886200" indent="-228600" algn="l" defTabSz="914400" rtl="0" eaLnBrk="1" latinLnBrk="0" hangingPunct="1">
+      <a:lvl9pPr marL="1554480" indent="-91440" algn="l" defTabSz="365760" rtl="0" eaLnBrk="1" latinLnBrk="0" hangingPunct="1">
         <a:lnSpc>
           <a:spcPct val="90000"/>
         </a:lnSpc>
         <a:spcBef>
-          <a:spcPts val="500"/>
+          <a:spcPts val="200"/>
         </a:spcBef>
         <a:buFont typeface="Arial" panose="020B0604020202020204" pitchFamily="34" charset="0"/>
         <a:buChar char="•"/>
-        <a:defRPr sz="1800" kern="1200">
+        <a:defRPr sz="720" kern="1200">
           <a:solidFill>
             <a:schemeClr val="tx1"/>
           </a:solidFill>
@@ -3209,8 +2859,8 @@
       <a:defPPr>
         <a:defRPr lang="en-US"/>
       </a:defPPr>
-      <a:lvl1pPr marL="0" algn="l" defTabSz="914400" rtl="0" eaLnBrk="1" latinLnBrk="0" hangingPunct="1">
-        <a:defRPr sz="1800" kern="1200">
+      <a:lvl1pPr marL="0" algn="l" defTabSz="365760" rtl="0" eaLnBrk="1" latinLnBrk="0" hangingPunct="1">
+        <a:defRPr sz="720" kern="1200">
           <a:solidFill>
             <a:schemeClr val="tx1"/>
           </a:solidFill>
@@ -3219,8 +2869,8 @@
           <a:cs typeface="+mn-cs"/>
         </a:defRPr>
       </a:lvl1pPr>
-      <a:lvl2pPr marL="457200" algn="l" defTabSz="914400" rtl="0" eaLnBrk="1" latinLnBrk="0" hangingPunct="1">
-        <a:defRPr sz="1800" kern="1200">
+      <a:lvl2pPr marL="182880" algn="l" defTabSz="365760" rtl="0" eaLnBrk="1" latinLnBrk="0" hangingPunct="1">
+        <a:defRPr sz="720" kern="1200">
           <a:solidFill>
             <a:schemeClr val="tx1"/>
           </a:solidFill>
@@ -3229,8 +2879,8 @@
           <a:cs typeface="+mn-cs"/>
         </a:defRPr>
       </a:lvl2pPr>
-      <a:lvl3pPr marL="914400" algn="l" defTabSz="914400" rtl="0" eaLnBrk="1" latinLnBrk="0" hangingPunct="1">
-        <a:defRPr sz="1800" kern="1200">
+      <a:lvl3pPr marL="365760" algn="l" defTabSz="365760" rtl="0" eaLnBrk="1" latinLnBrk="0" hangingPunct="1">
+        <a:defRPr sz="720" kern="1200">
           <a:solidFill>
             <a:schemeClr val="tx1"/>
           </a:solidFill>
@@ -3239,8 +2889,8 @@
           <a:cs typeface="+mn-cs"/>
         </a:defRPr>
       </a:lvl3pPr>
-      <a:lvl4pPr marL="1371600" algn="l" defTabSz="914400" rtl="0" eaLnBrk="1" latinLnBrk="0" hangingPunct="1">
-        <a:defRPr sz="1800" kern="1200">
+      <a:lvl4pPr marL="548640" algn="l" defTabSz="365760" rtl="0" eaLnBrk="1" latinLnBrk="0" hangingPunct="1">
+        <a:defRPr sz="720" kern="1200">
           <a:solidFill>
             <a:schemeClr val="tx1"/>
           </a:solidFill>
@@ -3249,8 +2899,8 @@
           <a:cs typeface="+mn-cs"/>
         </a:defRPr>
       </a:lvl4pPr>
-      <a:lvl5pPr marL="1828800" algn="l" defTabSz="914400" rtl="0" eaLnBrk="1" latinLnBrk="0" hangingPunct="1">
-        <a:defRPr sz="1800" kern="1200">
+      <a:lvl5pPr marL="731520" algn="l" defTabSz="365760" rtl="0" eaLnBrk="1" latinLnBrk="0" hangingPunct="1">
+        <a:defRPr sz="720" kern="1200">
           <a:solidFill>
             <a:schemeClr val="tx1"/>
           </a:solidFill>
@@ -3259,8 +2909,8 @@
           <a:cs typeface="+mn-cs"/>
         </a:defRPr>
       </a:lvl5pPr>
-      <a:lvl6pPr marL="2286000" algn="l" defTabSz="914400" rtl="0" eaLnBrk="1" latinLnBrk="0" hangingPunct="1">
-        <a:defRPr sz="1800" kern="1200">
+      <a:lvl6pPr marL="914400" algn="l" defTabSz="365760" rtl="0" eaLnBrk="1" latinLnBrk="0" hangingPunct="1">
+        <a:defRPr sz="720" kern="1200">
           <a:solidFill>
             <a:schemeClr val="tx1"/>
           </a:solidFill>
@@ -3269,8 +2919,8 @@
           <a:cs typeface="+mn-cs"/>
         </a:defRPr>
       </a:lvl6pPr>
-      <a:lvl7pPr marL="2743200" algn="l" defTabSz="914400" rtl="0" eaLnBrk="1" latinLnBrk="0" hangingPunct="1">
-        <a:defRPr sz="1800" kern="1200">
+      <a:lvl7pPr marL="1097280" algn="l" defTabSz="365760" rtl="0" eaLnBrk="1" latinLnBrk="0" hangingPunct="1">
+        <a:defRPr sz="720" kern="1200">
           <a:solidFill>
             <a:schemeClr val="tx1"/>
           </a:solidFill>
@@ -3279,8 +2929,8 @@
           <a:cs typeface="+mn-cs"/>
         </a:defRPr>
       </a:lvl7pPr>
-      <a:lvl8pPr marL="3200400" algn="l" defTabSz="914400" rtl="0" eaLnBrk="1" latinLnBrk="0" hangingPunct="1">
-        <a:defRPr sz="1800" kern="1200">
+      <a:lvl8pPr marL="1280160" algn="l" defTabSz="365760" rtl="0" eaLnBrk="1" latinLnBrk="0" hangingPunct="1">
+        <a:defRPr sz="720" kern="1200">
           <a:solidFill>
             <a:schemeClr val="tx1"/>
           </a:solidFill>
@@ -3289,8 +2939,8 @@
           <a:cs typeface="+mn-cs"/>
         </a:defRPr>
       </a:lvl8pPr>
-      <a:lvl9pPr marL="3657600" algn="l" defTabSz="914400" rtl="0" eaLnBrk="1" latinLnBrk="0" hangingPunct="1">
-        <a:defRPr sz="1800" kern="1200">
+      <a:lvl9pPr marL="1463040" algn="l" defTabSz="365760" rtl="0" eaLnBrk="1" latinLnBrk="0" hangingPunct="1">
+        <a:defRPr sz="720" kern="1200">
           <a:solidFill>
             <a:schemeClr val="tx1"/>
           </a:solidFill>
@@ -3323,10 +2973,10 @@
       </p:grpSpPr>
       <p:sp>
         <p:nvSpPr>
-          <p:cNvPr id="42" name="Rectangle 41">
+          <p:cNvPr id="37" name="Hexagon 36">
             <a:extLst>
               <a:ext uri="{FF2B5EF4-FFF2-40B4-BE49-F238E27FC236}">
-                <a16:creationId xmlns:a16="http://schemas.microsoft.com/office/drawing/2014/main" id="{23BD7BE3-ADAC-EB43-B1AF-31C55ED5F7FC}"/>
+                <a16:creationId xmlns:a16="http://schemas.microsoft.com/office/drawing/2014/main" id="{21DBA0BE-D46A-A442-B4F5-9608206F0104}"/>
               </a:ext>
             </a:extLst>
           </p:cNvPr>
@@ -3334,24 +2984,44 @@
           <p:nvPr/>
         </p:nvSpPr>
         <p:spPr>
-          <a:xfrm>
-            <a:off x="958922" y="1051762"/>
-            <a:ext cx="8373437" cy="3051424"/>
-          </a:xfrm>
-          <a:prstGeom prst="rect">
-            <a:avLst/>
+          <a:xfrm rot="5400000">
+            <a:off x="350668" y="308604"/>
+            <a:ext cx="2961251" cy="2776451"/>
+          </a:xfrm>
+          <a:prstGeom prst="hexagon">
+            <a:avLst>
+              <a:gd name="adj" fmla="val 25361"/>
+              <a:gd name="vf" fmla="val 115470"/>
+            </a:avLst>
           </a:prstGeom>
-          <a:solidFill>
-            <a:schemeClr val="bg1">
-              <a:lumMod val="95000"/>
-            </a:schemeClr>
-          </a:solidFill>
-          <a:ln>
-            <a:solidFill>
-              <a:schemeClr val="bg1">
-                <a:lumMod val="95000"/>
-              </a:schemeClr>
-            </a:solidFill>
+          <a:gradFill flip="none" rotWithShape="1">
+            <a:gsLst>
+              <a:gs pos="0">
+                <a:srgbClr val="1A5276">
+                  <a:shade val="30000"/>
+                  <a:satMod val="115000"/>
+                </a:srgbClr>
+              </a:gs>
+              <a:gs pos="50000">
+                <a:srgbClr val="1A5276">
+                  <a:shade val="67500"/>
+                  <a:satMod val="115000"/>
+                </a:srgbClr>
+              </a:gs>
+              <a:gs pos="100000">
+                <a:srgbClr val="1A5276">
+                  <a:shade val="100000"/>
+                  <a:satMod val="115000"/>
+                </a:srgbClr>
+              </a:gs>
+            </a:gsLst>
+            <a:path path="circle">
+              <a:fillToRect t="100000" r="100000"/>
+            </a:path>
+            <a:tileRect l="-100000" b="-100000"/>
+          </a:gradFill>
+          <a:ln w="31750">
+            <a:noFill/>
           </a:ln>
         </p:spPr>
         <p:style>
@@ -3375,56 +3045,10 @@
           <a:lstStyle/>
           <a:p>
             <a:pPr algn="ctr"/>
-            <a:endParaRPr lang="en-US"/>
-          </a:p>
-        </p:txBody>
-      </p:sp>
-      <p:cxnSp>
-        <p:nvCxnSpPr>
-          <p:cNvPr id="49" name="Straight Connector 48">
-            <a:extLst>
-              <a:ext uri="{FF2B5EF4-FFF2-40B4-BE49-F238E27FC236}">
-                <a16:creationId xmlns:a16="http://schemas.microsoft.com/office/drawing/2014/main" id="{7C6127A2-A8BF-154C-8922-607ACEF68840}"/>
-              </a:ext>
-            </a:extLst>
-          </p:cNvPr>
-          <p:cNvCxnSpPr>
-            <a:cxnSpLocks/>
-          </p:cNvCxnSpPr>
-          <p:nvPr/>
-        </p:nvCxnSpPr>
-        <p:spPr>
-          <a:xfrm flipV="1">
-            <a:off x="1671435" y="1235970"/>
-            <a:ext cx="0" cy="2693542"/>
-          </a:xfrm>
-          <a:prstGeom prst="line">
-            <a:avLst/>
-          </a:prstGeom>
-          <a:ln w="3175">
-            <a:solidFill>
-              <a:schemeClr val="tx2">
-                <a:lumMod val="20000"/>
-                <a:lumOff val="80000"/>
-              </a:schemeClr>
-            </a:solidFill>
-          </a:ln>
-        </p:spPr>
-        <p:style>
-          <a:lnRef idx="1">
-            <a:schemeClr val="accent1"/>
-          </a:lnRef>
-          <a:fillRef idx="0">
-            <a:schemeClr val="accent1"/>
-          </a:fillRef>
-          <a:effectRef idx="0">
-            <a:schemeClr val="accent1"/>
-          </a:effectRef>
-          <a:fontRef idx="minor">
-            <a:schemeClr val="tx1"/>
-          </a:fontRef>
-        </p:style>
-      </p:cxnSp>
+            <a:endParaRPr lang="en-US" sz="1152" dirty="0"/>
+          </a:p>
+        </p:txBody>
+      </p:sp>
       <p:cxnSp>
         <p:nvCxnSpPr>
           <p:cNvPr id="52" name="Straight Connector 51">
@@ -3440,20 +3064,20 @@
           <p:nvPr/>
         </p:nvCxnSpPr>
         <p:spPr>
-          <a:xfrm flipV="1">
-            <a:off x="2235871" y="1235487"/>
-            <a:ext cx="0" cy="2693542"/>
+          <a:xfrm flipH="1" flipV="1">
+            <a:off x="1440718" y="699325"/>
+            <a:ext cx="3522" cy="1255485"/>
           </a:xfrm>
           <a:prstGeom prst="line">
             <a:avLst/>
           </a:prstGeom>
           <a:ln w="3175">
             <a:solidFill>
-              <a:schemeClr val="tx2">
-                <a:lumMod val="20000"/>
-                <a:lumOff val="80000"/>
+              <a:schemeClr val="bg1">
+                <a:lumMod val="50000"/>
               </a:schemeClr>
             </a:solidFill>
+            <a:prstDash val="sysDot"/>
           </a:ln>
         </p:spPr>
         <p:style>
@@ -3486,20 +3110,20 @@
           <p:nvPr/>
         </p:nvCxnSpPr>
         <p:spPr>
-          <a:xfrm flipV="1">
-            <a:off x="2802531" y="1235487"/>
-            <a:ext cx="0" cy="2693542"/>
+          <a:xfrm flipH="1" flipV="1">
+            <a:off x="1818519" y="699325"/>
+            <a:ext cx="1494" cy="1255485"/>
           </a:xfrm>
           <a:prstGeom prst="line">
             <a:avLst/>
           </a:prstGeom>
           <a:ln w="3175">
             <a:solidFill>
-              <a:schemeClr val="tx2">
-                <a:lumMod val="20000"/>
-                <a:lumOff val="80000"/>
+              <a:schemeClr val="bg1">
+                <a:lumMod val="50000"/>
               </a:schemeClr>
             </a:solidFill>
+            <a:prstDash val="sysDot"/>
           </a:ln>
         </p:spPr>
         <p:style>
@@ -3532,204 +3156,20 @@
           <p:nvPr/>
         </p:nvCxnSpPr>
         <p:spPr>
-          <a:xfrm flipV="1">
-            <a:off x="3361745" y="1235487"/>
-            <a:ext cx="0" cy="2693542"/>
+          <a:xfrm flipH="1" flipV="1">
+            <a:off x="2190738" y="699327"/>
+            <a:ext cx="114" cy="1255486"/>
           </a:xfrm>
           <a:prstGeom prst="line">
             <a:avLst/>
           </a:prstGeom>
           <a:ln w="3175">
             <a:solidFill>
-              <a:schemeClr val="tx2">
-                <a:lumMod val="20000"/>
-                <a:lumOff val="80000"/>
+              <a:schemeClr val="bg1">
+                <a:lumMod val="50000"/>
               </a:schemeClr>
             </a:solidFill>
-          </a:ln>
-        </p:spPr>
-        <p:style>
-          <a:lnRef idx="1">
-            <a:schemeClr val="accent1"/>
-          </a:lnRef>
-          <a:fillRef idx="0">
-            <a:schemeClr val="accent1"/>
-          </a:fillRef>
-          <a:effectRef idx="0">
-            <a:schemeClr val="accent1"/>
-          </a:effectRef>
-          <a:fontRef idx="minor">
-            <a:schemeClr val="tx1"/>
-          </a:fontRef>
-        </p:style>
-      </p:cxnSp>
-      <p:cxnSp>
-        <p:nvCxnSpPr>
-          <p:cNvPr id="55" name="Straight Connector 54">
-            <a:extLst>
-              <a:ext uri="{FF2B5EF4-FFF2-40B4-BE49-F238E27FC236}">
-                <a16:creationId xmlns:a16="http://schemas.microsoft.com/office/drawing/2014/main" id="{315E2EEC-AA4E-564D-9DE5-3D5E2FF2BDB7}"/>
-              </a:ext>
-            </a:extLst>
-          </p:cNvPr>
-          <p:cNvCxnSpPr>
-            <a:cxnSpLocks/>
-          </p:cNvCxnSpPr>
-          <p:nvPr/>
-        </p:nvCxnSpPr>
-        <p:spPr>
-          <a:xfrm flipV="1">
-            <a:off x="3924941" y="1235487"/>
-            <a:ext cx="0" cy="2693542"/>
-          </a:xfrm>
-          <a:prstGeom prst="line">
-            <a:avLst/>
-          </a:prstGeom>
-          <a:ln w="3175">
-            <a:solidFill>
-              <a:schemeClr val="tx2">
-                <a:lumMod val="20000"/>
-                <a:lumOff val="80000"/>
-              </a:schemeClr>
-            </a:solidFill>
-          </a:ln>
-        </p:spPr>
-        <p:style>
-          <a:lnRef idx="1">
-            <a:schemeClr val="accent1"/>
-          </a:lnRef>
-          <a:fillRef idx="0">
-            <a:schemeClr val="accent1"/>
-          </a:fillRef>
-          <a:effectRef idx="0">
-            <a:schemeClr val="accent1"/>
-          </a:effectRef>
-          <a:fontRef idx="minor">
-            <a:schemeClr val="tx1"/>
-          </a:fontRef>
-        </p:style>
-      </p:cxnSp>
-      <p:cxnSp>
-        <p:nvCxnSpPr>
-          <p:cNvPr id="56" name="Straight Connector 55">
-            <a:extLst>
-              <a:ext uri="{FF2B5EF4-FFF2-40B4-BE49-F238E27FC236}">
-                <a16:creationId xmlns:a16="http://schemas.microsoft.com/office/drawing/2014/main" id="{3D7D8542-2A3D-4240-ADB3-58CA7215C7C5}"/>
-              </a:ext>
-            </a:extLst>
-          </p:cNvPr>
-          <p:cNvCxnSpPr>
-            <a:cxnSpLocks/>
-          </p:cNvCxnSpPr>
-          <p:nvPr/>
-        </p:nvCxnSpPr>
-        <p:spPr>
-          <a:xfrm flipH="1">
-            <a:off x="1671169" y="1703219"/>
-            <a:ext cx="2253773" cy="0"/>
-          </a:xfrm>
-          <a:prstGeom prst="line">
-            <a:avLst/>
-          </a:prstGeom>
-          <a:ln w="3175">
-            <a:solidFill>
-              <a:schemeClr val="tx2">
-                <a:lumMod val="20000"/>
-                <a:lumOff val="80000"/>
-              </a:schemeClr>
-            </a:solidFill>
-          </a:ln>
-        </p:spPr>
-        <p:style>
-          <a:lnRef idx="1">
-            <a:schemeClr val="accent1"/>
-          </a:lnRef>
-          <a:fillRef idx="0">
-            <a:schemeClr val="accent1"/>
-          </a:fillRef>
-          <a:effectRef idx="0">
-            <a:schemeClr val="accent1"/>
-          </a:effectRef>
-          <a:fontRef idx="minor">
-            <a:schemeClr val="tx1"/>
-          </a:fontRef>
-        </p:style>
-      </p:cxnSp>
-      <p:cxnSp>
-        <p:nvCxnSpPr>
-          <p:cNvPr id="60" name="Straight Connector 59">
-            <a:extLst>
-              <a:ext uri="{FF2B5EF4-FFF2-40B4-BE49-F238E27FC236}">
-                <a16:creationId xmlns:a16="http://schemas.microsoft.com/office/drawing/2014/main" id="{7373F382-1C58-F847-8714-50B8B328B5A3}"/>
-              </a:ext>
-            </a:extLst>
-          </p:cNvPr>
-          <p:cNvCxnSpPr>
-            <a:cxnSpLocks/>
-          </p:cNvCxnSpPr>
-          <p:nvPr/>
-        </p:nvCxnSpPr>
-        <p:spPr>
-          <a:xfrm flipH="1">
-            <a:off x="1671169" y="2252895"/>
-            <a:ext cx="2253773" cy="0"/>
-          </a:xfrm>
-          <a:prstGeom prst="line">
-            <a:avLst/>
-          </a:prstGeom>
-          <a:ln w="3175">
-            <a:solidFill>
-              <a:schemeClr val="tx2">
-                <a:lumMod val="20000"/>
-                <a:lumOff val="80000"/>
-              </a:schemeClr>
-            </a:solidFill>
-          </a:ln>
-        </p:spPr>
-        <p:style>
-          <a:lnRef idx="1">
-            <a:schemeClr val="accent1"/>
-          </a:lnRef>
-          <a:fillRef idx="0">
-            <a:schemeClr val="accent1"/>
-          </a:fillRef>
-          <a:effectRef idx="0">
-            <a:schemeClr val="accent1"/>
-          </a:effectRef>
-          <a:fontRef idx="minor">
-            <a:schemeClr val="tx1"/>
-          </a:fontRef>
-        </p:style>
-      </p:cxnSp>
-      <p:cxnSp>
-        <p:nvCxnSpPr>
-          <p:cNvPr id="61" name="Straight Connector 60">
-            <a:extLst>
-              <a:ext uri="{FF2B5EF4-FFF2-40B4-BE49-F238E27FC236}">
-                <a16:creationId xmlns:a16="http://schemas.microsoft.com/office/drawing/2014/main" id="{4276262F-6FB9-D94F-8DDD-8BD38DC7E7CD}"/>
-              </a:ext>
-            </a:extLst>
-          </p:cNvPr>
-          <p:cNvCxnSpPr>
-            <a:cxnSpLocks/>
-          </p:cNvCxnSpPr>
-          <p:nvPr/>
-        </p:nvCxnSpPr>
-        <p:spPr>
-          <a:xfrm flipH="1">
-            <a:off x="1671169" y="2816361"/>
-            <a:ext cx="2253772" cy="755"/>
-          </a:xfrm>
-          <a:prstGeom prst="line">
-            <a:avLst/>
-          </a:prstGeom>
-          <a:ln w="3175">
-            <a:solidFill>
-              <a:schemeClr val="tx2">
-                <a:lumMod val="20000"/>
-                <a:lumOff val="80000"/>
-              </a:schemeClr>
-            </a:solidFill>
+            <a:prstDash val="sysDot"/>
           </a:ln>
         </p:spPr>
         <p:style>
@@ -3763,105 +3203,19 @@
         </p:nvCxnSpPr>
         <p:spPr>
           <a:xfrm flipH="1">
-            <a:off x="1671169" y="3372936"/>
-            <a:ext cx="2253772" cy="0"/>
+            <a:off x="730547" y="1705196"/>
+            <a:ext cx="2188200" cy="0"/>
           </a:xfrm>
           <a:prstGeom prst="line">
             <a:avLst/>
           </a:prstGeom>
           <a:ln w="3175">
             <a:solidFill>
-              <a:schemeClr val="tx2">
-                <a:lumMod val="20000"/>
-                <a:lumOff val="80000"/>
+              <a:schemeClr val="bg1">
+                <a:lumMod val="50000"/>
               </a:schemeClr>
             </a:solidFill>
-          </a:ln>
-        </p:spPr>
-        <p:style>
-          <a:lnRef idx="1">
-            <a:schemeClr val="accent1"/>
-          </a:lnRef>
-          <a:fillRef idx="0">
-            <a:schemeClr val="accent1"/>
-          </a:fillRef>
-          <a:effectRef idx="0">
-            <a:schemeClr val="accent1"/>
-          </a:effectRef>
-          <a:fontRef idx="minor">
-            <a:schemeClr val="tx1"/>
-          </a:fontRef>
-        </p:style>
-      </p:cxnSp>
-      <p:sp>
-        <p:nvSpPr>
-          <p:cNvPr id="4" name="TextBox 3">
-            <a:extLst>
-              <a:ext uri="{FF2B5EF4-FFF2-40B4-BE49-F238E27FC236}">
-                <a16:creationId xmlns:a16="http://schemas.microsoft.com/office/drawing/2014/main" id="{1B2BC669-DF1E-6C4B-A1AE-E027B4650A3B}"/>
-              </a:ext>
-            </a:extLst>
-          </p:cNvPr>
-          <p:cNvSpPr txBox="1"/>
-          <p:nvPr/>
-        </p:nvSpPr>
-        <p:spPr>
-          <a:xfrm>
-            <a:off x="4290316" y="1146313"/>
-            <a:ext cx="4833137" cy="2862322"/>
-          </a:xfrm>
-          <a:prstGeom prst="rect">
-            <a:avLst/>
-          </a:prstGeom>
-          <a:noFill/>
-        </p:spPr>
-        <p:txBody>
-          <a:bodyPr wrap="square" rtlCol="0">
-            <a:spAutoFit/>
-          </a:bodyPr>
-          <a:lstStyle/>
-          <a:p>
-            <a:r>
-              <a:rPr lang="en-US" sz="6000" b="1" dirty="0">
-                <a:solidFill>
-                  <a:schemeClr val="bg2">
-                    <a:lumMod val="25000"/>
-                  </a:schemeClr>
-                </a:solidFill>
-                <a:latin typeface="Consolas" panose="020B0609020204030204" pitchFamily="49" charset="0"/>
-                <a:cs typeface="Consolas" panose="020B0609020204030204" pitchFamily="49" charset="0"/>
-              </a:rPr>
-              <a:t>Research Design and Analysis II</a:t>
-            </a:r>
-          </a:p>
-        </p:txBody>
-      </p:sp>
-      <p:cxnSp>
-        <p:nvCxnSpPr>
-          <p:cNvPr id="7" name="Straight Connector 6">
-            <a:extLst>
-              <a:ext uri="{FF2B5EF4-FFF2-40B4-BE49-F238E27FC236}">
-                <a16:creationId xmlns:a16="http://schemas.microsoft.com/office/drawing/2014/main" id="{0F4EC078-85FF-6F4D-8912-6965905C2933}"/>
-              </a:ext>
-            </a:extLst>
-          </p:cNvPr>
-          <p:cNvCxnSpPr>
-            <a:cxnSpLocks/>
-          </p:cNvCxnSpPr>
-          <p:nvPr/>
-        </p:nvCxnSpPr>
-        <p:spPr>
-          <a:xfrm flipH="1">
-            <a:off x="1239749" y="3924728"/>
-            <a:ext cx="7811784" cy="0"/>
-          </a:xfrm>
-          <a:prstGeom prst="line">
-            <a:avLst/>
-          </a:prstGeom>
-          <a:ln w="38100">
-            <a:solidFill>
-              <a:schemeClr val="tx2"/>
-            </a:solidFill>
+            <a:prstDash val="sysDot"/>
           </a:ln>
         </p:spPr>
         <p:style>
@@ -3893,21 +3247,18 @@
         </p:nvSpPr>
         <p:spPr>
           <a:xfrm>
-            <a:off x="3019959" y="1441807"/>
-            <a:ext cx="164387" cy="164386"/>
+            <a:off x="1964201" y="537847"/>
+            <a:ext cx="109012" cy="99370"/>
           </a:xfrm>
           <a:prstGeom prst="ellipse">
             <a:avLst/>
           </a:prstGeom>
           <a:solidFill>
-            <a:schemeClr val="accent2">
-              <a:lumMod val="20000"/>
-              <a:lumOff val="80000"/>
-            </a:schemeClr>
+            <a:srgbClr val="FFF9C4"/>
           </a:solidFill>
           <a:ln>
             <a:solidFill>
-              <a:srgbClr val="FF9300"/>
+              <a:srgbClr val="FBC02D"/>
             </a:solidFill>
           </a:ln>
         </p:spPr>
@@ -3932,7 +3283,7 @@
           <a:lstStyle/>
           <a:p>
             <a:pPr algn="ctr"/>
-            <a:endParaRPr lang="en-US"/>
+            <a:endParaRPr lang="en-US" sz="1152"/>
           </a:p>
         </p:txBody>
       </p:sp>
@@ -3950,21 +3301,18 @@
         </p:nvSpPr>
         <p:spPr>
           <a:xfrm>
-            <a:off x="3686922" y="2500045"/>
-            <a:ext cx="164387" cy="164386"/>
+            <a:off x="2406492" y="1177542"/>
+            <a:ext cx="109012" cy="99370"/>
           </a:xfrm>
           <a:prstGeom prst="ellipse">
             <a:avLst/>
           </a:prstGeom>
           <a:solidFill>
-            <a:schemeClr val="accent6">
-              <a:lumMod val="20000"/>
-              <a:lumOff val="80000"/>
-            </a:schemeClr>
+            <a:srgbClr val="C8E6C9"/>
           </a:solidFill>
           <a:ln>
             <a:solidFill>
-              <a:schemeClr val="accent6"/>
+              <a:srgbClr val="43A047"/>
             </a:solidFill>
           </a:ln>
         </p:spPr>
@@ -3989,7 +3337,7 @@
           <a:lstStyle/>
           <a:p>
             <a:pPr algn="ctr"/>
-            <a:endParaRPr lang="en-US"/>
+            <a:endParaRPr lang="en-US" sz="1152"/>
           </a:p>
         </p:txBody>
       </p:sp>
@@ -4007,21 +3355,18 @@
         </p:nvSpPr>
         <p:spPr>
           <a:xfrm>
-            <a:off x="2853004" y="2582238"/>
-            <a:ext cx="164387" cy="164386"/>
+            <a:off x="1853487" y="1227227"/>
+            <a:ext cx="109012" cy="99370"/>
           </a:xfrm>
           <a:prstGeom prst="ellipse">
             <a:avLst/>
           </a:prstGeom>
           <a:solidFill>
-            <a:schemeClr val="accent2">
-              <a:lumMod val="20000"/>
-              <a:lumOff val="80000"/>
-            </a:schemeClr>
+            <a:srgbClr val="FFF9C4"/>
           </a:solidFill>
           <a:ln>
             <a:solidFill>
-              <a:srgbClr val="FF9300"/>
+              <a:srgbClr val="FBC02D"/>
             </a:solidFill>
           </a:ln>
         </p:spPr>
@@ -4046,7 +3391,7 @@
           <a:lstStyle/>
           <a:p>
             <a:pPr algn="ctr"/>
-            <a:endParaRPr lang="en-US"/>
+            <a:endParaRPr lang="en-US" sz="1152"/>
           </a:p>
         </p:txBody>
       </p:sp>
@@ -4064,21 +3409,18 @@
         </p:nvSpPr>
         <p:spPr>
           <a:xfrm>
-            <a:off x="2344433" y="3132760"/>
-            <a:ext cx="164387" cy="164386"/>
+            <a:off x="1516232" y="1560012"/>
+            <a:ext cx="109012" cy="99370"/>
           </a:xfrm>
           <a:prstGeom prst="ellipse">
             <a:avLst/>
           </a:prstGeom>
           <a:solidFill>
-            <a:schemeClr val="accent2">
-              <a:lumMod val="20000"/>
-              <a:lumOff val="80000"/>
-            </a:schemeClr>
+            <a:srgbClr val="FFF9C4"/>
           </a:solidFill>
           <a:ln>
             <a:solidFill>
-              <a:srgbClr val="FF9300"/>
+              <a:srgbClr val="FBC02D"/>
             </a:solidFill>
           </a:ln>
         </p:spPr>
@@ -4103,7 +3445,7 @@
           <a:lstStyle/>
           <a:p>
             <a:pPr algn="ctr"/>
-            <a:endParaRPr lang="en-US"/>
+            <a:endParaRPr lang="en-US" sz="1152"/>
           </a:p>
         </p:txBody>
       </p:sp>
@@ -4121,21 +3463,18 @@
         </p:nvSpPr>
         <p:spPr>
           <a:xfrm>
-            <a:off x="2692042" y="1851059"/>
-            <a:ext cx="164387" cy="164386"/>
+            <a:off x="1746746" y="785236"/>
+            <a:ext cx="109012" cy="99370"/>
           </a:xfrm>
           <a:prstGeom prst="ellipse">
             <a:avLst/>
           </a:prstGeom>
           <a:solidFill>
-            <a:schemeClr val="accent2">
-              <a:lumMod val="20000"/>
-              <a:lumOff val="80000"/>
-            </a:schemeClr>
+            <a:srgbClr val="FFF9C4"/>
           </a:solidFill>
           <a:ln>
             <a:solidFill>
-              <a:srgbClr val="FF9300"/>
+              <a:srgbClr val="FBC02D"/>
             </a:solidFill>
           </a:ln>
         </p:spPr>
@@ -4160,7 +3499,7 @@
           <a:lstStyle/>
           <a:p>
             <a:pPr algn="ctr"/>
-            <a:endParaRPr lang="en-US"/>
+            <a:endParaRPr lang="en-US" sz="1152"/>
           </a:p>
         </p:txBody>
       </p:sp>
@@ -4178,21 +3517,18 @@
         </p:nvSpPr>
         <p:spPr>
           <a:xfrm>
-            <a:off x="3376985" y="2756898"/>
-            <a:ext cx="164387" cy="164386"/>
+            <a:off x="2200960" y="1332807"/>
+            <a:ext cx="109012" cy="99370"/>
           </a:xfrm>
           <a:prstGeom prst="ellipse">
             <a:avLst/>
           </a:prstGeom>
           <a:solidFill>
-            <a:schemeClr val="accent2">
-              <a:lumMod val="20000"/>
-              <a:lumOff val="80000"/>
-            </a:schemeClr>
+            <a:srgbClr val="FFF9C4"/>
           </a:solidFill>
           <a:ln>
             <a:solidFill>
-              <a:srgbClr val="FF9300"/>
+              <a:srgbClr val="FBC02D"/>
             </a:solidFill>
           </a:ln>
         </p:spPr>
@@ -4217,7 +3553,7 @@
           <a:lstStyle/>
           <a:p>
             <a:pPr algn="ctr"/>
-            <a:endParaRPr lang="en-US"/>
+            <a:endParaRPr lang="en-US" sz="1152"/>
           </a:p>
         </p:txBody>
       </p:sp>
@@ -4235,21 +3571,18 @@
         </p:nvSpPr>
         <p:spPr>
           <a:xfrm>
-            <a:off x="2082441" y="2544566"/>
-            <a:ext cx="164387" cy="164386"/>
+            <a:off x="1342494" y="1204454"/>
+            <a:ext cx="109012" cy="99370"/>
           </a:xfrm>
           <a:prstGeom prst="ellipse">
             <a:avLst/>
           </a:prstGeom>
           <a:solidFill>
-            <a:schemeClr val="accent2">
-              <a:lumMod val="20000"/>
-              <a:lumOff val="80000"/>
-            </a:schemeClr>
+            <a:srgbClr val="FFF9C4"/>
           </a:solidFill>
           <a:ln>
             <a:solidFill>
-              <a:srgbClr val="FF9300"/>
+              <a:srgbClr val="FBC02D"/>
             </a:solidFill>
           </a:ln>
         </p:spPr>
@@ -4274,7 +3607,7 @@
           <a:lstStyle/>
           <a:p>
             <a:pPr algn="ctr"/>
-            <a:endParaRPr lang="en-US"/>
+            <a:endParaRPr lang="en-US" sz="1152"/>
           </a:p>
         </p:txBody>
       </p:sp>
@@ -4292,21 +3625,18 @@
         </p:nvSpPr>
         <p:spPr>
           <a:xfrm>
-            <a:off x="2774235" y="3172145"/>
-            <a:ext cx="164387" cy="164386"/>
+            <a:off x="1801252" y="1583820"/>
+            <a:ext cx="109012" cy="99370"/>
           </a:xfrm>
           <a:prstGeom prst="ellipse">
             <a:avLst/>
           </a:prstGeom>
           <a:solidFill>
-            <a:schemeClr val="accent2">
-              <a:lumMod val="20000"/>
-              <a:lumOff val="80000"/>
-            </a:schemeClr>
+            <a:srgbClr val="FFF9C4"/>
           </a:solidFill>
           <a:ln>
             <a:solidFill>
-              <a:srgbClr val="FF9300"/>
+              <a:srgbClr val="FBC02D"/>
             </a:solidFill>
           </a:ln>
         </p:spPr>
@@ -4331,7 +3661,7 @@
           <a:lstStyle/>
           <a:p>
             <a:pPr algn="ctr"/>
-            <a:endParaRPr lang="en-US"/>
+            <a:endParaRPr lang="en-US" sz="1152"/>
           </a:p>
         </p:txBody>
       </p:sp>
@@ -4349,21 +3679,18 @@
         </p:nvSpPr>
         <p:spPr>
           <a:xfrm>
-            <a:off x="1950589" y="3544581"/>
-            <a:ext cx="164387" cy="164386"/>
+            <a:off x="1255058" y="1808953"/>
+            <a:ext cx="109012" cy="99370"/>
           </a:xfrm>
           <a:prstGeom prst="ellipse">
             <a:avLst/>
           </a:prstGeom>
           <a:solidFill>
-            <a:schemeClr val="accent2">
-              <a:lumMod val="20000"/>
-              <a:lumOff val="80000"/>
-            </a:schemeClr>
+            <a:srgbClr val="FFF9C4"/>
           </a:solidFill>
           <a:ln>
             <a:solidFill>
-              <a:srgbClr val="FF9300"/>
+              <a:srgbClr val="FBC02D"/>
             </a:solidFill>
           </a:ln>
         </p:spPr>
@@ -4388,7 +3715,7 @@
           <a:lstStyle/>
           <a:p>
             <a:pPr algn="ctr"/>
-            <a:endParaRPr lang="en-US"/>
+            <a:endParaRPr lang="en-US" sz="1152"/>
           </a:p>
         </p:txBody>
       </p:sp>
@@ -4406,21 +3733,18 @@
         </p:nvSpPr>
         <p:spPr>
           <a:xfrm>
-            <a:off x="1766512" y="2984641"/>
-            <a:ext cx="164387" cy="164386"/>
+            <a:off x="1132988" y="1470476"/>
+            <a:ext cx="109012" cy="99370"/>
           </a:xfrm>
           <a:prstGeom prst="ellipse">
             <a:avLst/>
           </a:prstGeom>
           <a:solidFill>
-            <a:schemeClr val="accent2">
-              <a:lumMod val="20000"/>
-              <a:lumOff val="80000"/>
-            </a:schemeClr>
+            <a:srgbClr val="FFF9C4"/>
           </a:solidFill>
           <a:ln>
             <a:solidFill>
-              <a:srgbClr val="FF9300"/>
+              <a:srgbClr val="FBC02D"/>
             </a:solidFill>
           </a:ln>
         </p:spPr>
@@ -4445,7 +3769,7 @@
           <a:lstStyle/>
           <a:p>
             <a:pPr algn="ctr"/>
-            <a:endParaRPr lang="en-US"/>
+            <a:endParaRPr lang="en-US" sz="1152"/>
           </a:p>
         </p:txBody>
       </p:sp>
@@ -4463,21 +3787,18 @@
         </p:nvSpPr>
         <p:spPr>
           <a:xfrm>
-            <a:off x="3361574" y="2205516"/>
-            <a:ext cx="164387" cy="164386"/>
+            <a:off x="2190740" y="999502"/>
+            <a:ext cx="109012" cy="99370"/>
           </a:xfrm>
           <a:prstGeom prst="ellipse">
             <a:avLst/>
           </a:prstGeom>
           <a:solidFill>
-            <a:schemeClr val="accent2">
-              <a:lumMod val="20000"/>
-              <a:lumOff val="80000"/>
-            </a:schemeClr>
+            <a:srgbClr val="FFF9C4"/>
           </a:solidFill>
           <a:ln>
             <a:solidFill>
-              <a:srgbClr val="FF9300"/>
+              <a:srgbClr val="FBC02D"/>
             </a:solidFill>
           </a:ln>
         </p:spPr>
@@ -4502,7 +3823,7 @@
           <a:lstStyle/>
           <a:p>
             <a:pPr algn="ctr"/>
-            <a:endParaRPr lang="en-US"/>
+            <a:endParaRPr lang="en-US" sz="1152"/>
           </a:p>
         </p:txBody>
       </p:sp>
@@ -4520,22 +3841,18 @@
         </p:nvSpPr>
         <p:spPr>
           <a:xfrm>
-            <a:off x="2148367" y="2875053"/>
-            <a:ext cx="164387" cy="164386"/>
+            <a:off x="1386212" y="1404230"/>
+            <a:ext cx="109012" cy="99370"/>
           </a:xfrm>
           <a:prstGeom prst="ellipse">
             <a:avLst/>
           </a:prstGeom>
           <a:solidFill>
-            <a:schemeClr val="accent6">
-              <a:lumMod val="20000"/>
-              <a:lumOff val="80000"/>
-              <a:alpha val="94118"/>
-            </a:schemeClr>
+            <a:srgbClr val="C8E6C9"/>
           </a:solidFill>
           <a:ln>
             <a:solidFill>
-              <a:schemeClr val="accent6"/>
+              <a:srgbClr val="43A047"/>
             </a:solidFill>
           </a:ln>
         </p:spPr>
@@ -4560,7 +3877,7 @@
           <a:lstStyle/>
           <a:p>
             <a:pPr algn="ctr"/>
-            <a:endParaRPr lang="en-US"/>
+            <a:endParaRPr lang="en-US" sz="1152"/>
           </a:p>
         </p:txBody>
       </p:sp>
@@ -4578,22 +3895,18 @@
         </p:nvSpPr>
         <p:spPr>
           <a:xfrm>
-            <a:off x="1766511" y="2515884"/>
-            <a:ext cx="164387" cy="164386"/>
+            <a:off x="1132988" y="1187117"/>
+            <a:ext cx="109012" cy="99370"/>
           </a:xfrm>
           <a:prstGeom prst="ellipse">
             <a:avLst/>
           </a:prstGeom>
           <a:solidFill>
-            <a:schemeClr val="accent6">
-              <a:lumMod val="20000"/>
-              <a:lumOff val="80000"/>
-              <a:alpha val="94118"/>
-            </a:schemeClr>
+            <a:srgbClr val="C8E6C9"/>
           </a:solidFill>
           <a:ln>
             <a:solidFill>
-              <a:schemeClr val="accent6"/>
+              <a:srgbClr val="43A047"/>
             </a:solidFill>
           </a:ln>
         </p:spPr>
@@ -4618,7 +3931,7 @@
           <a:lstStyle/>
           <a:p>
             <a:pPr algn="ctr"/>
-            <a:endParaRPr lang="en-US"/>
+            <a:endParaRPr lang="en-US" sz="1152"/>
           </a:p>
         </p:txBody>
       </p:sp>
@@ -4636,22 +3949,18 @@
         </p:nvSpPr>
         <p:spPr>
           <a:xfrm>
-            <a:off x="3130405" y="1823666"/>
-            <a:ext cx="164387" cy="164386"/>
+            <a:off x="2037443" y="768677"/>
+            <a:ext cx="109012" cy="99370"/>
           </a:xfrm>
           <a:prstGeom prst="ellipse">
             <a:avLst/>
           </a:prstGeom>
           <a:solidFill>
-            <a:schemeClr val="accent6">
-              <a:lumMod val="20000"/>
-              <a:lumOff val="80000"/>
-              <a:alpha val="94118"/>
-            </a:schemeClr>
+            <a:srgbClr val="C8E6C9"/>
           </a:solidFill>
           <a:ln>
             <a:solidFill>
-              <a:schemeClr val="accent6"/>
+              <a:srgbClr val="43A047"/>
             </a:solidFill>
           </a:ln>
         </p:spPr>
@@ -4676,7 +3985,7 @@
           <a:lstStyle/>
           <a:p>
             <a:pPr algn="ctr"/>
-            <a:endParaRPr lang="en-US"/>
+            <a:endParaRPr lang="en-US" sz="1152"/>
           </a:p>
         </p:txBody>
       </p:sp>
@@ -4694,22 +4003,18 @@
         </p:nvSpPr>
         <p:spPr>
           <a:xfrm>
-            <a:off x="2344432" y="1988052"/>
-            <a:ext cx="164387" cy="164386"/>
+            <a:off x="1516232" y="868047"/>
+            <a:ext cx="109012" cy="99370"/>
           </a:xfrm>
           <a:prstGeom prst="ellipse">
             <a:avLst/>
           </a:prstGeom>
           <a:solidFill>
-            <a:schemeClr val="accent6">
-              <a:lumMod val="20000"/>
-              <a:lumOff val="80000"/>
-              <a:alpha val="94118"/>
-            </a:schemeClr>
+            <a:srgbClr val="C8E6C9"/>
           </a:solidFill>
           <a:ln>
             <a:solidFill>
-              <a:schemeClr val="accent6"/>
+              <a:srgbClr val="43A047"/>
             </a:solidFill>
           </a:ln>
         </p:spPr>
@@ -4734,7 +4039,7 @@
           <a:lstStyle/>
           <a:p>
             <a:pPr algn="ctr"/>
-            <a:endParaRPr lang="en-US"/>
+            <a:endParaRPr lang="en-US" sz="1152"/>
           </a:p>
         </p:txBody>
       </p:sp>
@@ -4752,22 +4057,18 @@
         </p:nvSpPr>
         <p:spPr>
           <a:xfrm>
-            <a:off x="2979717" y="2235486"/>
-            <a:ext cx="164387" cy="164386"/>
+            <a:off x="1937516" y="1017618"/>
+            <a:ext cx="109012" cy="99370"/>
           </a:xfrm>
           <a:prstGeom prst="ellipse">
             <a:avLst/>
           </a:prstGeom>
           <a:solidFill>
-            <a:schemeClr val="accent6">
-              <a:lumMod val="20000"/>
-              <a:lumOff val="80000"/>
-              <a:alpha val="94118"/>
-            </a:schemeClr>
+            <a:srgbClr val="C8E6C9"/>
           </a:solidFill>
           <a:ln>
             <a:solidFill>
-              <a:schemeClr val="accent6"/>
+              <a:srgbClr val="43A047"/>
             </a:solidFill>
           </a:ln>
         </p:spPr>
@@ -4792,7 +4093,7 @@
           <a:lstStyle/>
           <a:p>
             <a:pPr algn="ctr"/>
-            <a:endParaRPr lang="en-US"/>
+            <a:endParaRPr lang="en-US" sz="1152"/>
           </a:p>
         </p:txBody>
       </p:sp>
@@ -4810,22 +4111,18 @@
         </p:nvSpPr>
         <p:spPr>
           <a:xfrm>
-            <a:off x="2637246" y="2530866"/>
-            <a:ext cx="164387" cy="164386"/>
+            <a:off x="1710408" y="1196173"/>
+            <a:ext cx="109012" cy="99370"/>
           </a:xfrm>
           <a:prstGeom prst="ellipse">
             <a:avLst/>
           </a:prstGeom>
           <a:solidFill>
-            <a:schemeClr val="accent6">
-              <a:lumMod val="20000"/>
-              <a:lumOff val="80000"/>
-              <a:alpha val="94118"/>
-            </a:schemeClr>
+            <a:srgbClr val="C8E6C9"/>
           </a:solidFill>
           <a:ln>
             <a:solidFill>
-              <a:schemeClr val="accent6"/>
+              <a:srgbClr val="43A047"/>
             </a:solidFill>
           </a:ln>
         </p:spPr>
@@ -4850,7 +4147,7 @@
           <a:lstStyle/>
           <a:p>
             <a:pPr algn="ctr"/>
-            <a:endParaRPr lang="en-US"/>
+            <a:endParaRPr lang="en-US" sz="1152"/>
           </a:p>
         </p:txBody>
       </p:sp>
@@ -4868,22 +4165,18 @@
         </p:nvSpPr>
         <p:spPr>
           <a:xfrm>
-            <a:off x="3760554" y="1768866"/>
-            <a:ext cx="164387" cy="164386"/>
+            <a:off x="2455320" y="735551"/>
+            <a:ext cx="109012" cy="99370"/>
           </a:xfrm>
           <a:prstGeom prst="ellipse">
             <a:avLst/>
           </a:prstGeom>
           <a:solidFill>
-            <a:schemeClr val="accent6">
-              <a:lumMod val="20000"/>
-              <a:lumOff val="80000"/>
-              <a:alpha val="94118"/>
-            </a:schemeClr>
+            <a:srgbClr val="C8E6C9"/>
           </a:solidFill>
           <a:ln>
             <a:solidFill>
-              <a:schemeClr val="accent6"/>
+              <a:srgbClr val="43A047"/>
             </a:solidFill>
           </a:ln>
         </p:spPr>
@@ -4908,7 +4201,576 @@
           <a:lstStyle/>
           <a:p>
             <a:pPr algn="ctr"/>
-            <a:endParaRPr lang="en-US"/>
+            <a:endParaRPr lang="en-US" sz="1152"/>
+          </a:p>
+        </p:txBody>
+      </p:sp>
+      <p:sp>
+        <p:nvSpPr>
+          <p:cNvPr id="38" name="TextBox 37">
+            <a:extLst>
+              <a:ext uri="{FF2B5EF4-FFF2-40B4-BE49-F238E27FC236}">
+                <a16:creationId xmlns:a16="http://schemas.microsoft.com/office/drawing/2014/main" id="{DF58B006-731D-584B-B5D8-D0A97F3075F8}"/>
+              </a:ext>
+            </a:extLst>
+          </p:cNvPr>
+          <p:cNvSpPr txBox="1"/>
+          <p:nvPr/>
+        </p:nvSpPr>
+        <p:spPr>
+          <a:xfrm>
+            <a:off x="615880" y="1961450"/>
+            <a:ext cx="2425841" cy="523220"/>
+          </a:xfrm>
+          <a:prstGeom prst="rect">
+            <a:avLst/>
+          </a:prstGeom>
+          <a:noFill/>
+        </p:spPr>
+        <p:txBody>
+          <a:bodyPr wrap="square" rtlCol="0">
+            <a:spAutoFit/>
+          </a:bodyPr>
+          <a:lstStyle/>
+          <a:p>
+            <a:pPr algn="ctr"/>
+            <a:r>
+              <a:rPr lang="en-US" sz="2800" b="1" dirty="0">
+                <a:solidFill>
+                  <a:schemeClr val="bg1"/>
+                </a:solidFill>
+                <a:latin typeface="Garamond" panose="02020404030301010803" pitchFamily="18" charset="0"/>
+                <a:cs typeface="Courier New" panose="02070309020205020404" pitchFamily="49" charset="0"/>
+              </a:rPr>
+              <a:t>Regression</a:t>
+            </a:r>
+            <a:endParaRPr lang="en-US" sz="2800" b="1" dirty="0">
+              <a:solidFill>
+                <a:srgbClr val="FFD579"/>
+              </a:solidFill>
+              <a:latin typeface="Garamond" panose="02020404030301010803" pitchFamily="18" charset="0"/>
+              <a:cs typeface="Courier New" panose="02070309020205020404" pitchFamily="49" charset="0"/>
+            </a:endParaRPr>
+          </a:p>
+        </p:txBody>
+      </p:sp>
+      <p:sp>
+        <p:nvSpPr>
+          <p:cNvPr id="39" name="TextBox 38">
+            <a:extLst>
+              <a:ext uri="{FF2B5EF4-FFF2-40B4-BE49-F238E27FC236}">
+                <a16:creationId xmlns:a16="http://schemas.microsoft.com/office/drawing/2014/main" id="{013D6601-9B7E-F349-8BC6-4F812C050066}"/>
+              </a:ext>
+            </a:extLst>
+          </p:cNvPr>
+          <p:cNvSpPr txBox="1"/>
+          <p:nvPr/>
+        </p:nvSpPr>
+        <p:spPr>
+          <a:xfrm>
+            <a:off x="1455929" y="2882301"/>
+            <a:ext cx="723477" cy="166199"/>
+          </a:xfrm>
+          <a:prstGeom prst="rect">
+            <a:avLst/>
+          </a:prstGeom>
+          <a:noFill/>
+        </p:spPr>
+        <p:txBody>
+          <a:bodyPr wrap="square" rtlCol="0">
+            <a:spAutoFit/>
+          </a:bodyPr>
+          <a:lstStyle/>
+          <a:p>
+            <a:pPr algn="ctr"/>
+            <a:r>
+              <a:rPr lang="en-US" sz="480" b="1" dirty="0">
+                <a:solidFill>
+                  <a:schemeClr val="bg1">
+                    <a:lumMod val="85000"/>
+                  </a:schemeClr>
+                </a:solidFill>
+                <a:latin typeface="Garamond" panose="02020404030301010803" pitchFamily="18" charset="0"/>
+                <a:cs typeface="Courier New" panose="02070309020205020404" pitchFamily="49" charset="0"/>
+              </a:rPr>
+              <a:t>EDUC/PSY 7610</a:t>
+            </a:r>
+          </a:p>
+        </p:txBody>
+      </p:sp>
+      <p:sp>
+        <p:nvSpPr>
+          <p:cNvPr id="51" name="TextBox 50">
+            <a:extLst>
+              <a:ext uri="{FF2B5EF4-FFF2-40B4-BE49-F238E27FC236}">
+                <a16:creationId xmlns:a16="http://schemas.microsoft.com/office/drawing/2014/main" id="{CD665375-A091-D140-BA99-CE625207205F}"/>
+              </a:ext>
+            </a:extLst>
+          </p:cNvPr>
+          <p:cNvSpPr txBox="1"/>
+          <p:nvPr/>
+        </p:nvSpPr>
+        <p:spPr>
+          <a:xfrm>
+            <a:off x="1232866" y="2775479"/>
+            <a:ext cx="1214502" cy="166199"/>
+          </a:xfrm>
+          <a:prstGeom prst="rect">
+            <a:avLst/>
+          </a:prstGeom>
+          <a:noFill/>
+        </p:spPr>
+        <p:txBody>
+          <a:bodyPr wrap="square" rtlCol="0">
+            <a:spAutoFit/>
+          </a:bodyPr>
+          <a:lstStyle/>
+          <a:p>
+            <a:pPr algn="ctr"/>
+            <a:r>
+              <a:rPr lang="en-US" sz="480" b="1" dirty="0">
+                <a:solidFill>
+                  <a:schemeClr val="bg1">
+                    <a:lumMod val="85000"/>
+                  </a:schemeClr>
+                </a:solidFill>
+                <a:latin typeface="Garamond" panose="02020404030301010803" pitchFamily="18" charset="0"/>
+                <a:cs typeface="Courier New" panose="02070309020205020404" pitchFamily="49" charset="0"/>
+              </a:rPr>
+              <a:t>UTAH STATE UNIVERSITY</a:t>
+            </a:r>
+          </a:p>
+        </p:txBody>
+      </p:sp>
+      <p:sp>
+        <p:nvSpPr>
+          <p:cNvPr id="32" name="TextBox 31">
+            <a:extLst>
+              <a:ext uri="{FF2B5EF4-FFF2-40B4-BE49-F238E27FC236}">
+                <a16:creationId xmlns:a16="http://schemas.microsoft.com/office/drawing/2014/main" id="{08CB9072-E300-464D-A07A-3D1722E5B317}"/>
+              </a:ext>
+            </a:extLst>
+          </p:cNvPr>
+          <p:cNvSpPr txBox="1"/>
+          <p:nvPr/>
+        </p:nvSpPr>
+        <p:spPr>
+          <a:xfrm rot="16200000">
+            <a:off x="462310" y="1237049"/>
+            <a:ext cx="442750" cy="166199"/>
+          </a:xfrm>
+          <a:prstGeom prst="rect">
+            <a:avLst/>
+          </a:prstGeom>
+          <a:noFill/>
+        </p:spPr>
+        <p:txBody>
+          <a:bodyPr wrap="none" rtlCol="0">
+            <a:spAutoFit/>
+          </a:bodyPr>
+          <a:lstStyle/>
+          <a:p>
+            <a:r>
+              <a:rPr lang="en-US" sz="480" dirty="0">
+                <a:solidFill>
+                  <a:schemeClr val="bg1">
+                    <a:lumMod val="50000"/>
+                  </a:schemeClr>
+                </a:solidFill>
+                <a:latin typeface="Fira Code" panose="020B0509050000020004" pitchFamily="49" charset="0"/>
+                <a:ea typeface="Fira Code" panose="020B0509050000020004" pitchFamily="49" charset="0"/>
+              </a:rPr>
+              <a:t>Outcome</a:t>
+            </a:r>
+          </a:p>
+        </p:txBody>
+      </p:sp>
+      <p:cxnSp>
+        <p:nvCxnSpPr>
+          <p:cNvPr id="57" name="Straight Connector 56">
+            <a:extLst>
+              <a:ext uri="{FF2B5EF4-FFF2-40B4-BE49-F238E27FC236}">
+                <a16:creationId xmlns:a16="http://schemas.microsoft.com/office/drawing/2014/main" id="{AA99EEF5-4984-F141-AF64-C6848B753B76}"/>
+              </a:ext>
+            </a:extLst>
+          </p:cNvPr>
+          <p:cNvCxnSpPr>
+            <a:cxnSpLocks/>
+          </p:cNvCxnSpPr>
+          <p:nvPr/>
+        </p:nvCxnSpPr>
+        <p:spPr>
+          <a:xfrm flipH="1" flipV="1">
+            <a:off x="730549" y="1326597"/>
+            <a:ext cx="2182534" cy="1834"/>
+          </a:xfrm>
+          <a:prstGeom prst="line">
+            <a:avLst/>
+          </a:prstGeom>
+          <a:ln w="3175">
+            <a:solidFill>
+              <a:schemeClr val="bg1">
+                <a:lumMod val="50000"/>
+              </a:schemeClr>
+            </a:solidFill>
+            <a:prstDash val="sysDot"/>
+          </a:ln>
+        </p:spPr>
+        <p:style>
+          <a:lnRef idx="1">
+            <a:schemeClr val="accent1"/>
+          </a:lnRef>
+          <a:fillRef idx="0">
+            <a:schemeClr val="accent1"/>
+          </a:fillRef>
+          <a:effectRef idx="0">
+            <a:schemeClr val="accent1"/>
+          </a:effectRef>
+          <a:fontRef idx="minor">
+            <a:schemeClr val="tx1"/>
+          </a:fontRef>
+        </p:style>
+      </p:cxnSp>
+      <p:cxnSp>
+        <p:nvCxnSpPr>
+          <p:cNvPr id="58" name="Straight Connector 57">
+            <a:extLst>
+              <a:ext uri="{FF2B5EF4-FFF2-40B4-BE49-F238E27FC236}">
+                <a16:creationId xmlns:a16="http://schemas.microsoft.com/office/drawing/2014/main" id="{5A013A51-03C0-224B-824B-EC8520F5235B}"/>
+              </a:ext>
+            </a:extLst>
+          </p:cNvPr>
+          <p:cNvCxnSpPr>
+            <a:cxnSpLocks/>
+          </p:cNvCxnSpPr>
+          <p:nvPr/>
+        </p:nvCxnSpPr>
+        <p:spPr>
+          <a:xfrm flipH="1">
+            <a:off x="730549" y="930155"/>
+            <a:ext cx="2184918" cy="0"/>
+          </a:xfrm>
+          <a:prstGeom prst="line">
+            <a:avLst/>
+          </a:prstGeom>
+          <a:ln w="3175">
+            <a:solidFill>
+              <a:schemeClr val="bg1">
+                <a:lumMod val="50000"/>
+              </a:schemeClr>
+            </a:solidFill>
+            <a:prstDash val="sysDot"/>
+          </a:ln>
+        </p:spPr>
+        <p:style>
+          <a:lnRef idx="1">
+            <a:schemeClr val="accent1"/>
+          </a:lnRef>
+          <a:fillRef idx="0">
+            <a:schemeClr val="accent1"/>
+          </a:fillRef>
+          <a:effectRef idx="0">
+            <a:schemeClr val="accent1"/>
+          </a:effectRef>
+          <a:fontRef idx="minor">
+            <a:schemeClr val="tx1"/>
+          </a:fontRef>
+        </p:style>
+      </p:cxnSp>
+      <p:cxnSp>
+        <p:nvCxnSpPr>
+          <p:cNvPr id="65" name="Straight Connector 64">
+            <a:extLst>
+              <a:ext uri="{FF2B5EF4-FFF2-40B4-BE49-F238E27FC236}">
+                <a16:creationId xmlns:a16="http://schemas.microsoft.com/office/drawing/2014/main" id="{0BA94C26-986E-C74C-BE2A-A71DCF894884}"/>
+              </a:ext>
+            </a:extLst>
+          </p:cNvPr>
+          <p:cNvCxnSpPr>
+            <a:cxnSpLocks/>
+          </p:cNvCxnSpPr>
+          <p:nvPr/>
+        </p:nvCxnSpPr>
+        <p:spPr>
+          <a:xfrm flipH="1" flipV="1">
+            <a:off x="1063058" y="699325"/>
+            <a:ext cx="3522" cy="1255485"/>
+          </a:xfrm>
+          <a:prstGeom prst="line">
+            <a:avLst/>
+          </a:prstGeom>
+          <a:ln w="3175">
+            <a:solidFill>
+              <a:schemeClr val="bg1">
+                <a:lumMod val="50000"/>
+              </a:schemeClr>
+            </a:solidFill>
+            <a:prstDash val="sysDot"/>
+          </a:ln>
+        </p:spPr>
+        <p:style>
+          <a:lnRef idx="1">
+            <a:schemeClr val="accent1"/>
+          </a:lnRef>
+          <a:fillRef idx="0">
+            <a:schemeClr val="accent1"/>
+          </a:fillRef>
+          <a:effectRef idx="0">
+            <a:schemeClr val="accent1"/>
+          </a:effectRef>
+          <a:fontRef idx="minor">
+            <a:schemeClr val="tx1"/>
+          </a:fontRef>
+        </p:style>
+      </p:cxnSp>
+      <p:cxnSp>
+        <p:nvCxnSpPr>
+          <p:cNvPr id="66" name="Straight Connector 65">
+            <a:extLst>
+              <a:ext uri="{FF2B5EF4-FFF2-40B4-BE49-F238E27FC236}">
+                <a16:creationId xmlns:a16="http://schemas.microsoft.com/office/drawing/2014/main" id="{D6B1899B-5379-864C-BAC2-0FFBC08E710E}"/>
+              </a:ext>
+            </a:extLst>
+          </p:cNvPr>
+          <p:cNvCxnSpPr>
+            <a:cxnSpLocks/>
+          </p:cNvCxnSpPr>
+          <p:nvPr/>
+        </p:nvCxnSpPr>
+        <p:spPr>
+          <a:xfrm flipH="1" flipV="1">
+            <a:off x="2571295" y="699327"/>
+            <a:ext cx="114" cy="1255486"/>
+          </a:xfrm>
+          <a:prstGeom prst="line">
+            <a:avLst/>
+          </a:prstGeom>
+          <a:ln w="3175">
+            <a:solidFill>
+              <a:schemeClr val="bg1">
+                <a:lumMod val="50000"/>
+              </a:schemeClr>
+            </a:solidFill>
+            <a:prstDash val="sysDot"/>
+          </a:ln>
+        </p:spPr>
+        <p:style>
+          <a:lnRef idx="1">
+            <a:schemeClr val="accent1"/>
+          </a:lnRef>
+          <a:fillRef idx="0">
+            <a:schemeClr val="accent1"/>
+          </a:fillRef>
+          <a:effectRef idx="0">
+            <a:schemeClr val="accent1"/>
+          </a:effectRef>
+          <a:fontRef idx="minor">
+            <a:schemeClr val="tx1"/>
+          </a:fontRef>
+        </p:style>
+      </p:cxnSp>
+      <p:sp>
+        <p:nvSpPr>
+          <p:cNvPr id="67" name="Oval 66">
+            <a:extLst>
+              <a:ext uri="{FF2B5EF4-FFF2-40B4-BE49-F238E27FC236}">
+                <a16:creationId xmlns:a16="http://schemas.microsoft.com/office/drawing/2014/main" id="{6A4FBB8B-19B2-D641-962F-4BCC868EFF3F}"/>
+              </a:ext>
+            </a:extLst>
+          </p:cNvPr>
+          <p:cNvSpPr/>
+          <p:nvPr/>
+        </p:nvSpPr>
+        <p:spPr>
+          <a:xfrm>
+            <a:off x="849529" y="1709584"/>
+            <a:ext cx="109012" cy="99370"/>
+          </a:xfrm>
+          <a:prstGeom prst="ellipse">
+            <a:avLst/>
+          </a:prstGeom>
+          <a:solidFill>
+            <a:srgbClr val="FFF9C4"/>
+          </a:solidFill>
+          <a:ln>
+            <a:solidFill>
+              <a:srgbClr val="FBC02D"/>
+            </a:solidFill>
+          </a:ln>
+        </p:spPr>
+        <p:style>
+          <a:lnRef idx="2">
+            <a:schemeClr val="accent1">
+              <a:shade val="50000"/>
+            </a:schemeClr>
+          </a:lnRef>
+          <a:fillRef idx="1">
+            <a:schemeClr val="accent1"/>
+          </a:fillRef>
+          <a:effectRef idx="0">
+            <a:schemeClr val="accent1"/>
+          </a:effectRef>
+          <a:fontRef idx="minor">
+            <a:schemeClr val="lt1"/>
+          </a:fontRef>
+        </p:style>
+        <p:txBody>
+          <a:bodyPr rtlCol="0" anchor="ctr"/>
+          <a:lstStyle/>
+          <a:p>
+            <a:pPr algn="ctr"/>
+            <a:endParaRPr lang="en-US" sz="1152"/>
+          </a:p>
+        </p:txBody>
+      </p:sp>
+      <p:sp>
+        <p:nvSpPr>
+          <p:cNvPr id="68" name="Oval 67">
+            <a:extLst>
+              <a:ext uri="{FF2B5EF4-FFF2-40B4-BE49-F238E27FC236}">
+                <a16:creationId xmlns:a16="http://schemas.microsoft.com/office/drawing/2014/main" id="{C25B8638-EA18-2B42-9DED-6AB3B171E59D}"/>
+              </a:ext>
+            </a:extLst>
+          </p:cNvPr>
+          <p:cNvSpPr/>
+          <p:nvPr/>
+        </p:nvSpPr>
+        <p:spPr>
+          <a:xfrm>
+            <a:off x="885738" y="1289549"/>
+            <a:ext cx="109012" cy="99370"/>
+          </a:xfrm>
+          <a:prstGeom prst="ellipse">
+            <a:avLst/>
+          </a:prstGeom>
+          <a:solidFill>
+            <a:srgbClr val="C8E6C9"/>
+          </a:solidFill>
+          <a:ln>
+            <a:solidFill>
+              <a:srgbClr val="43A047"/>
+            </a:solidFill>
+          </a:ln>
+        </p:spPr>
+        <p:style>
+          <a:lnRef idx="2">
+            <a:schemeClr val="accent1">
+              <a:shade val="50000"/>
+            </a:schemeClr>
+          </a:lnRef>
+          <a:fillRef idx="1">
+            <a:schemeClr val="accent1"/>
+          </a:fillRef>
+          <a:effectRef idx="0">
+            <a:schemeClr val="accent1"/>
+          </a:effectRef>
+          <a:fontRef idx="minor">
+            <a:schemeClr val="lt1"/>
+          </a:fontRef>
+        </p:style>
+        <p:txBody>
+          <a:bodyPr rtlCol="0" anchor="ctr"/>
+          <a:lstStyle/>
+          <a:p>
+            <a:pPr algn="ctr"/>
+            <a:endParaRPr lang="en-US" sz="1152"/>
+          </a:p>
+        </p:txBody>
+      </p:sp>
+      <p:sp>
+        <p:nvSpPr>
+          <p:cNvPr id="69" name="Oval 68">
+            <a:extLst>
+              <a:ext uri="{FF2B5EF4-FFF2-40B4-BE49-F238E27FC236}">
+                <a16:creationId xmlns:a16="http://schemas.microsoft.com/office/drawing/2014/main" id="{137E584B-A36A-A142-830C-D77F194E3591}"/>
+              </a:ext>
+            </a:extLst>
+          </p:cNvPr>
+          <p:cNvSpPr/>
+          <p:nvPr/>
+        </p:nvSpPr>
+        <p:spPr>
+          <a:xfrm>
+            <a:off x="2677529" y="1090080"/>
+            <a:ext cx="109012" cy="99370"/>
+          </a:xfrm>
+          <a:prstGeom prst="ellipse">
+            <a:avLst/>
+          </a:prstGeom>
+          <a:solidFill>
+            <a:srgbClr val="C8E6C9"/>
+          </a:solidFill>
+          <a:ln>
+            <a:solidFill>
+              <a:srgbClr val="43A047"/>
+            </a:solidFill>
+          </a:ln>
+        </p:spPr>
+        <p:style>
+          <a:lnRef idx="2">
+            <a:schemeClr val="accent1">
+              <a:shade val="50000"/>
+            </a:schemeClr>
+          </a:lnRef>
+          <a:fillRef idx="1">
+            <a:schemeClr val="accent1"/>
+          </a:fillRef>
+          <a:effectRef idx="0">
+            <a:schemeClr val="accent1"/>
+          </a:effectRef>
+          <a:fontRef idx="minor">
+            <a:schemeClr val="lt1"/>
+          </a:fontRef>
+        </p:style>
+        <p:txBody>
+          <a:bodyPr rtlCol="0" anchor="ctr"/>
+          <a:lstStyle/>
+          <a:p>
+            <a:pPr algn="ctr"/>
+            <a:endParaRPr lang="en-US" sz="1152"/>
+          </a:p>
+        </p:txBody>
+      </p:sp>
+      <p:sp>
+        <p:nvSpPr>
+          <p:cNvPr id="70" name="TextBox 69">
+            <a:extLst>
+              <a:ext uri="{FF2B5EF4-FFF2-40B4-BE49-F238E27FC236}">
+                <a16:creationId xmlns:a16="http://schemas.microsoft.com/office/drawing/2014/main" id="{2E75CB72-D8F0-7348-9E9D-50F2014203D2}"/>
+              </a:ext>
+            </a:extLst>
+          </p:cNvPr>
+          <p:cNvSpPr txBox="1"/>
+          <p:nvPr/>
+        </p:nvSpPr>
+        <p:spPr>
+          <a:xfrm>
+            <a:off x="1585305" y="1932381"/>
+            <a:ext cx="516488" cy="166199"/>
+          </a:xfrm>
+          <a:prstGeom prst="rect">
+            <a:avLst/>
+          </a:prstGeom>
+          <a:noFill/>
+        </p:spPr>
+        <p:txBody>
+          <a:bodyPr wrap="none" rtlCol="0">
+            <a:spAutoFit/>
+          </a:bodyPr>
+          <a:lstStyle/>
+          <a:p>
+            <a:r>
+              <a:rPr lang="en-US" sz="480" dirty="0">
+                <a:solidFill>
+                  <a:schemeClr val="bg1">
+                    <a:lumMod val="50000"/>
+                  </a:schemeClr>
+                </a:solidFill>
+                <a:latin typeface="Fira Code" panose="020B0509050000020004" pitchFamily="49" charset="0"/>
+                <a:ea typeface="Fira Code" panose="020B0509050000020004" pitchFamily="49" charset="0"/>
+              </a:rPr>
+              <a:t>Predictor</a:t>
+            </a:r>
           </a:p>
         </p:txBody>
       </p:sp>
@@ -4928,15 +4790,15 @@
         </p:nvCxnSpPr>
         <p:spPr>
           <a:xfrm flipV="1">
-            <a:off x="1665482" y="2090796"/>
-            <a:ext cx="2259459" cy="830489"/>
+            <a:off x="1065990" y="930155"/>
+            <a:ext cx="1498341" cy="502022"/>
           </a:xfrm>
           <a:prstGeom prst="line">
             <a:avLst/>
           </a:prstGeom>
           <a:ln w="28575">
             <a:solidFill>
-              <a:schemeClr val="accent6"/>
+              <a:srgbClr val="43A047"/>
             </a:solidFill>
           </a:ln>
         </p:spPr>
@@ -4971,15 +4833,15 @@
         </p:nvCxnSpPr>
         <p:spPr>
           <a:xfrm flipV="1">
-            <a:off x="1700586" y="1708937"/>
-            <a:ext cx="2059968" cy="1835644"/>
+            <a:off x="1089271" y="699325"/>
+            <a:ext cx="1366050" cy="1109629"/>
           </a:xfrm>
           <a:prstGeom prst="line">
             <a:avLst/>
           </a:prstGeom>
           <a:ln w="28575">
             <a:solidFill>
-              <a:srgbClr val="FF9300"/>
+              <a:srgbClr val="FBC02D"/>
             </a:solidFill>
           </a:ln>
         </p:spPr>
@@ -4998,49 +4860,47 @@
           </a:fontRef>
         </p:style>
       </p:cxnSp>
-      <p:cxnSp>
-        <p:nvCxnSpPr>
-          <p:cNvPr id="48" name="Straight Connector 47">
+      <p:sp>
+        <p:nvSpPr>
+          <p:cNvPr id="71" name="Rectangle 70">
             <a:extLst>
               <a:ext uri="{FF2B5EF4-FFF2-40B4-BE49-F238E27FC236}">
-                <a16:creationId xmlns:a16="http://schemas.microsoft.com/office/drawing/2014/main" id="{B1582396-24B3-5A40-A830-E7AB82A30D1C}"/>
+                <a16:creationId xmlns:a16="http://schemas.microsoft.com/office/drawing/2014/main" id="{9418B8B5-51F0-6045-9968-ABDCE6696217}"/>
               </a:ext>
             </a:extLst>
           </p:cNvPr>
-          <p:cNvCxnSpPr>
-            <a:cxnSpLocks/>
-          </p:cNvCxnSpPr>
+          <p:cNvSpPr/>
           <p:nvPr/>
-        </p:nvCxnSpPr>
-        <p:spPr>
-          <a:xfrm flipH="1">
-            <a:off x="1215988" y="1231186"/>
-            <a:ext cx="7811784" cy="0"/>
-          </a:xfrm>
-          <a:prstGeom prst="line">
+        </p:nvSpPr>
+        <p:spPr>
+          <a:xfrm>
+            <a:off x="1101517" y="2279732"/>
+            <a:ext cx="1454565" cy="523220"/>
+          </a:xfrm>
+          <a:prstGeom prst="rect">
             <a:avLst/>
           </a:prstGeom>
-          <a:ln w="38100">
-            <a:solidFill>
-              <a:schemeClr val="tx2"/>
-            </a:solidFill>
-          </a:ln>
-        </p:spPr>
-        <p:style>
-          <a:lnRef idx="1">
-            <a:schemeClr val="accent1"/>
-          </a:lnRef>
-          <a:fillRef idx="0">
-            <a:schemeClr val="accent1"/>
-          </a:fillRef>
-          <a:effectRef idx="0">
-            <a:schemeClr val="accent1"/>
-          </a:effectRef>
-          <a:fontRef idx="minor">
-            <a:schemeClr val="tx1"/>
-          </a:fontRef>
-        </p:style>
-      </p:cxnSp>
+        </p:spPr>
+        <p:txBody>
+          <a:bodyPr wrap="none">
+            <a:spAutoFit/>
+          </a:bodyPr>
+          <a:lstStyle/>
+          <a:p>
+            <a:r>
+              <a:rPr lang="en-US" sz="2800" b="1" dirty="0">
+                <a:solidFill>
+                  <a:schemeClr val="bg1"/>
+                </a:solidFill>
+                <a:latin typeface="Garamond" panose="02020404030301010803" pitchFamily="18" charset="0"/>
+                <a:cs typeface="Courier New" panose="02070309020205020404" pitchFamily="49" charset="0"/>
+              </a:rPr>
+              <a:t>Analysis</a:t>
+            </a:r>
+            <a:endParaRPr lang="en-US" sz="2800" dirty="0"/>
+          </a:p>
+        </p:txBody>
+      </p:sp>
     </p:spTree>
     <p:extLst>
       <p:ext uri="{BB962C8B-B14F-4D97-AF65-F5344CB8AC3E}">
@@ -5057,7 +4917,7 @@
 <file path=ppt/theme/theme1.xml><?xml version="1.0" encoding="utf-8"?>
 <a:theme xmlns:a="http://schemas.openxmlformats.org/drawingml/2006/main" name="Office Theme">
   <a:themeElements>
-    <a:clrScheme name="Office">
+    <a:clrScheme name="Office Theme">
       <a:dk1>
         <a:sysClr val="windowText" lastClr="000000"/>
       </a:dk1>
@@ -5095,7 +4955,7 @@
         <a:srgbClr val="954F72"/>
       </a:folHlink>
     </a:clrScheme>
-    <a:fontScheme name="Office">
+    <a:fontScheme name="Office Theme">
       <a:majorFont>
         <a:latin typeface="Calibri Light" panose="020F0302020204030204"/>
         <a:ea typeface=""/>
@@ -5130,23 +4990,6 @@
         <a:font script="Viet" typeface="Times New Roman"/>
         <a:font script="Uigh" typeface="Microsoft Uighur"/>
         <a:font script="Geor" typeface="Sylfaen"/>
-        <a:font script="Armn" typeface="Arial"/>
-        <a:font script="Bugi" typeface="Leelawadee UI"/>
-        <a:font script="Bopo" typeface="Microsoft JhengHei"/>
-        <a:font script="Java" typeface="Javanese Text"/>
-        <a:font script="Lisu" typeface="Segoe UI"/>
-        <a:font script="Mymr" typeface="Myanmar Text"/>
-        <a:font script="Nkoo" typeface="Ebrima"/>
-        <a:font script="Olck" typeface="Nirmala UI"/>
-        <a:font script="Osma" typeface="Ebrima"/>
-        <a:font script="Phag" typeface="Phagspa"/>
-        <a:font script="Syrn" typeface="Estrangelo Edessa"/>
-        <a:font script="Syrj" typeface="Estrangelo Edessa"/>
-        <a:font script="Syre" typeface="Estrangelo Edessa"/>
-        <a:font script="Sora" typeface="Nirmala UI"/>
-        <a:font script="Tale" typeface="Microsoft Tai Le"/>
-        <a:font script="Talu" typeface="Microsoft New Tai Lue"/>
-        <a:font script="Tfng" typeface="Ebrima"/>
       </a:majorFont>
       <a:minorFont>
         <a:latin typeface="Calibri" panose="020F0502020204030204"/>
@@ -5182,26 +5025,9 @@
         <a:font script="Viet" typeface="Arial"/>
         <a:font script="Uigh" typeface="Microsoft Uighur"/>
         <a:font script="Geor" typeface="Sylfaen"/>
-        <a:font script="Armn" typeface="Arial"/>
-        <a:font script="Bugi" typeface="Leelawadee UI"/>
-        <a:font script="Bopo" typeface="Microsoft JhengHei"/>
-        <a:font script="Java" typeface="Javanese Text"/>
-        <a:font script="Lisu" typeface="Segoe UI"/>
-        <a:font script="Mymr" typeface="Myanmar Text"/>
-        <a:font script="Nkoo" typeface="Ebrima"/>
-        <a:font script="Olck" typeface="Nirmala UI"/>
-        <a:font script="Osma" typeface="Ebrima"/>
-        <a:font script="Phag" typeface="Phagspa"/>
-        <a:font script="Syrn" typeface="Estrangelo Edessa"/>
-        <a:font script="Syrj" typeface="Estrangelo Edessa"/>
-        <a:font script="Syre" typeface="Estrangelo Edessa"/>
-        <a:font script="Sora" typeface="Nirmala UI"/>
-        <a:font script="Tale" typeface="Microsoft Tai Le"/>
-        <a:font script="Talu" typeface="Microsoft New Tai Lue"/>
-        <a:font script="Tfng" typeface="Ebrima"/>
       </a:minorFont>
     </a:fontScheme>
-    <a:fmtScheme name="Office">
+    <a:fmtScheme name="Office Theme">
       <a:fillStyleLst>
         <a:solidFill>
           <a:schemeClr val="phClr"/>
